--- a/Primeira Apresentação Projeto Integrador.pptx
+++ b/Primeira Apresentação Projeto Integrador.pptx
@@ -1343,7 +1343,7 @@
             <a:fld id="{9334D819-9F07-4261-B09B-9E467E5D9002}" type="datetimeFigureOut">
               <a:rPr lang="en-US" dirty="0"/>
               <a:pPr/>
-              <a:t>11/14/2020</a:t>
+              <a:t>11/15/2020</a:t>
             </a:fld>
             <a:endParaRPr lang="en-US" dirty="0"/>
           </a:p>
@@ -1577,7 +1577,7 @@
           <a:p>
             <a:fld id="{9334D819-9F07-4261-B09B-9E467E5D9002}" type="datetimeFigureOut">
               <a:rPr lang="en-US" dirty="0"/>
-              <a:t>11/14/2020</a:t>
+              <a:t>11/15/2020</a:t>
             </a:fld>
             <a:endParaRPr lang="en-US" dirty="0"/>
           </a:p>
@@ -1752,7 +1752,7 @@
           <a:p>
             <a:fld id="{9334D819-9F07-4261-B09B-9E467E5D9002}" type="datetimeFigureOut">
               <a:rPr lang="en-US" dirty="0"/>
-              <a:t>11/14/2020</a:t>
+              <a:t>11/15/2020</a:t>
             </a:fld>
             <a:endParaRPr lang="en-US" dirty="0"/>
           </a:p>
@@ -1917,7 +1917,7 @@
           <a:p>
             <a:fld id="{9334D819-9F07-4261-B09B-9E467E5D9002}" type="datetimeFigureOut">
               <a:rPr lang="en-US" dirty="0"/>
-              <a:t>11/14/2020</a:t>
+              <a:t>11/15/2020</a:t>
             </a:fld>
             <a:endParaRPr lang="en-US" dirty="0"/>
           </a:p>
@@ -2189,7 +2189,7 @@
             <a:fld id="{9334D819-9F07-4261-B09B-9E467E5D9002}" type="datetimeFigureOut">
               <a:rPr lang="en-US" dirty="0"/>
               <a:pPr/>
-              <a:t>11/14/2020</a:t>
+              <a:t>11/15/2020</a:t>
             </a:fld>
             <a:endParaRPr lang="en-US" dirty="0"/>
           </a:p>
@@ -3386,7 +3386,7 @@
           <a:p>
             <a:fld id="{9334D819-9F07-4261-B09B-9E467E5D9002}" type="datetimeFigureOut">
               <a:rPr lang="en-US" dirty="0"/>
-              <a:t>11/14/2020</a:t>
+              <a:t>11/15/2020</a:t>
             </a:fld>
             <a:endParaRPr lang="en-US" dirty="0"/>
           </a:p>
@@ -3771,7 +3771,7 @@
           <a:p>
             <a:fld id="{9334D819-9F07-4261-B09B-9E467E5D9002}" type="datetimeFigureOut">
               <a:rPr lang="en-US" dirty="0"/>
-              <a:t>11/14/2020</a:t>
+              <a:t>11/15/2020</a:t>
             </a:fld>
             <a:endParaRPr lang="en-US" dirty="0"/>
           </a:p>
@@ -3889,7 +3889,7 @@
           <a:p>
             <a:fld id="{9334D819-9F07-4261-B09B-9E467E5D9002}" type="datetimeFigureOut">
               <a:rPr lang="en-US" dirty="0"/>
-              <a:t>11/14/2020</a:t>
+              <a:t>11/15/2020</a:t>
             </a:fld>
             <a:endParaRPr lang="en-US" dirty="0"/>
           </a:p>
@@ -3979,7 +3979,7 @@
           <a:p>
             <a:fld id="{9334D819-9F07-4261-B09B-9E467E5D9002}" type="datetimeFigureOut">
               <a:rPr lang="en-US" dirty="0"/>
-              <a:t>11/14/2020</a:t>
+              <a:t>11/15/2020</a:t>
             </a:fld>
             <a:endParaRPr lang="en-US" dirty="0"/>
           </a:p>
@@ -4737,7 +4737,7 @@
           <a:p>
             <a:fld id="{9334D819-9F07-4261-B09B-9E467E5D9002}" type="datetimeFigureOut">
               <a:rPr lang="en-US" dirty="0"/>
-              <a:t>11/14/2020</a:t>
+              <a:t>11/15/2020</a:t>
             </a:fld>
             <a:endParaRPr lang="en-US" dirty="0"/>
           </a:p>
@@ -5572,7 +5572,7 @@
           <a:p>
             <a:fld id="{9334D819-9F07-4261-B09B-9E467E5D9002}" type="datetimeFigureOut">
               <a:rPr lang="en-US" dirty="0"/>
-              <a:t>11/14/2020</a:t>
+              <a:t>11/15/2020</a:t>
             </a:fld>
             <a:endParaRPr lang="en-US" dirty="0"/>
           </a:p>
@@ -5795,7 +5795,7 @@
             <a:fld id="{9334D819-9F07-4261-B09B-9E467E5D9002}" type="datetimeFigureOut">
               <a:rPr lang="en-US" dirty="0"/>
               <a:pPr/>
-              <a:t>11/14/2020</a:t>
+              <a:t>11/15/2020</a:t>
             </a:fld>
             <a:endParaRPr lang="en-US" dirty="0"/>
           </a:p>
@@ -6806,7 +6806,7 @@
                 <a16:creationId xmlns:a16="http://schemas.microsoft.com/office/drawing/2014/main" id="{8AACE35A-DD26-4C0E-81A5-8C18F739057F}"/>
               </a:ext>
               <a:ext uri="{C183D7F6-B498-43B3-948B-1728B52AA6E4}">
-                <adec:decorative xmlns="" xmlns:adec="http://schemas.microsoft.com/office/drawing/2017/decorative" val="1"/>
+                <adec:decorative xmlns:adec="http://schemas.microsoft.com/office/drawing/2017/decorative" xmlns="" val="1"/>
               </a:ext>
             </a:extLst>
           </p:cNvPr>
@@ -6950,7 +6950,7 @@
                 <a16:creationId xmlns:a16="http://schemas.microsoft.com/office/drawing/2014/main" id="{E905CB15-2F46-4D9D-AEA4-3619C520C854}"/>
               </a:ext>
               <a:ext uri="{C183D7F6-B498-43B3-948B-1728B52AA6E4}">
-                <adec:decorative xmlns="" xmlns:adec="http://schemas.microsoft.com/office/drawing/2017/decorative" val="1"/>
+                <adec:decorative xmlns:adec="http://schemas.microsoft.com/office/drawing/2017/decorative" xmlns="" val="1"/>
               </a:ext>
             </a:extLst>
           </p:cNvPr>
@@ -7003,7 +7003,7 @@
                 <a16:creationId xmlns:a16="http://schemas.microsoft.com/office/drawing/2014/main" id="{18DAE5F6-55D5-4FC2-B1F3-AE114251F38B}"/>
               </a:ext>
               <a:ext uri="{C183D7F6-B498-43B3-948B-1728B52AA6E4}">
-                <adec:decorative xmlns="" xmlns:adec="http://schemas.microsoft.com/office/drawing/2017/decorative" val="1"/>
+                <adec:decorative xmlns:adec="http://schemas.microsoft.com/office/drawing/2017/decorative" xmlns="" val="1"/>
               </a:ext>
             </a:extLst>
           </p:cNvPr>
@@ -7103,7 +7103,7 @@
                 <a16:creationId xmlns:a16="http://schemas.microsoft.com/office/drawing/2014/main" id="{ABD17F87-FE96-4A5F-83F2-3E87B953B074}"/>
               </a:ext>
               <a:ext uri="{C183D7F6-B498-43B3-948B-1728B52AA6E4}">
-                <adec:decorative xmlns="" xmlns:adec="http://schemas.microsoft.com/office/drawing/2017/decorative" val="1"/>
+                <adec:decorative xmlns:adec="http://schemas.microsoft.com/office/drawing/2017/decorative" xmlns="" val="1"/>
               </a:ext>
             </a:extLst>
           </p:cNvPr>
@@ -7223,7 +7223,7 @@
                 <a16:creationId xmlns:a16="http://schemas.microsoft.com/office/drawing/2014/main" id="{9546C973-6034-4DAE-8C50-764E3160487D}"/>
               </a:ext>
               <a:ext uri="{C183D7F6-B498-43B3-948B-1728B52AA6E4}">
-                <adec:decorative xmlns="" xmlns:adec="http://schemas.microsoft.com/office/drawing/2017/decorative" val="1"/>
+                <adec:decorative xmlns:adec="http://schemas.microsoft.com/office/drawing/2017/decorative" xmlns="" val="1"/>
               </a:ext>
             </a:extLst>
           </p:cNvPr>
@@ -7288,7 +7288,7 @@
                 <a16:creationId xmlns:a16="http://schemas.microsoft.com/office/drawing/2014/main" id="{BC2ADC72-9292-411C-B17E-1DC83998D3C8}"/>
               </a:ext>
               <a:ext uri="{C183D7F6-B498-43B3-948B-1728B52AA6E4}">
-                <adec:decorative xmlns="" xmlns:adec="http://schemas.microsoft.com/office/drawing/2017/decorative" val="1"/>
+                <adec:decorative xmlns:adec="http://schemas.microsoft.com/office/drawing/2017/decorative" xmlns="" val="1"/>
               </a:ext>
             </a:extLst>
           </p:cNvPr>
@@ -7415,7 +7415,7 @@
                 <a16:creationId xmlns:a16="http://schemas.microsoft.com/office/drawing/2014/main" id="{ABD17F87-FE96-4A5F-83F2-3E87B953B074}"/>
               </a:ext>
               <a:ext uri="{C183D7F6-B498-43B3-948B-1728B52AA6E4}">
-                <adec:decorative xmlns="" xmlns:adec="http://schemas.microsoft.com/office/drawing/2017/decorative" val="1"/>
+                <adec:decorative xmlns:adec="http://schemas.microsoft.com/office/drawing/2017/decorative" xmlns="" val="1"/>
               </a:ext>
             </a:extLst>
           </p:cNvPr>
@@ -7519,7 +7519,7 @@
                 <a16:creationId xmlns:a16="http://schemas.microsoft.com/office/drawing/2014/main" id="{9546C973-6034-4DAE-8C50-764E3160487D}"/>
               </a:ext>
               <a:ext uri="{C183D7F6-B498-43B3-948B-1728B52AA6E4}">
-                <adec:decorative xmlns="" xmlns:adec="http://schemas.microsoft.com/office/drawing/2017/decorative" val="1"/>
+                <adec:decorative xmlns:adec="http://schemas.microsoft.com/office/drawing/2017/decorative" xmlns="" val="1"/>
               </a:ext>
             </a:extLst>
           </p:cNvPr>
@@ -7584,7 +7584,7 @@
                 <a16:creationId xmlns:a16="http://schemas.microsoft.com/office/drawing/2014/main" id="{BC2ADC72-9292-411C-B17E-1DC83998D3C8}"/>
               </a:ext>
               <a:ext uri="{C183D7F6-B498-43B3-948B-1728B52AA6E4}">
-                <adec:decorative xmlns="" xmlns:adec="http://schemas.microsoft.com/office/drawing/2017/decorative" val="1"/>
+                <adec:decorative xmlns:adec="http://schemas.microsoft.com/office/drawing/2017/decorative" xmlns="" val="1"/>
               </a:ext>
             </a:extLst>
           </p:cNvPr>
@@ -7705,7 +7705,7 @@
                 <a16:creationId xmlns:a16="http://schemas.microsoft.com/office/drawing/2014/main" id="{ABD17F87-FE96-4A5F-83F2-3E87B953B074}"/>
               </a:ext>
               <a:ext uri="{C183D7F6-B498-43B3-948B-1728B52AA6E4}">
-                <adec:decorative xmlns="" xmlns:adec="http://schemas.microsoft.com/office/drawing/2017/decorative" val="1"/>
+                <adec:decorative xmlns:adec="http://schemas.microsoft.com/office/drawing/2017/decorative" xmlns="" val="1"/>
               </a:ext>
             </a:extLst>
           </p:cNvPr>
@@ -7809,7 +7809,7 @@
                 <a16:creationId xmlns:a16="http://schemas.microsoft.com/office/drawing/2014/main" id="{9546C973-6034-4DAE-8C50-764E3160487D}"/>
               </a:ext>
               <a:ext uri="{C183D7F6-B498-43B3-948B-1728B52AA6E4}">
-                <adec:decorative xmlns="" xmlns:adec="http://schemas.microsoft.com/office/drawing/2017/decorative" val="1"/>
+                <adec:decorative xmlns:adec="http://schemas.microsoft.com/office/drawing/2017/decorative" xmlns="" val="1"/>
               </a:ext>
             </a:extLst>
           </p:cNvPr>
@@ -7874,7 +7874,7 @@
                 <a16:creationId xmlns:a16="http://schemas.microsoft.com/office/drawing/2014/main" id="{BC2ADC72-9292-411C-B17E-1DC83998D3C8}"/>
               </a:ext>
               <a:ext uri="{C183D7F6-B498-43B3-948B-1728B52AA6E4}">
-                <adec:decorative xmlns="" xmlns:adec="http://schemas.microsoft.com/office/drawing/2017/decorative" val="1"/>
+                <adec:decorative xmlns:adec="http://schemas.microsoft.com/office/drawing/2017/decorative" xmlns="" val="1"/>
               </a:ext>
             </a:extLst>
           </p:cNvPr>
@@ -8080,7 +8080,7 @@
                 <a16:creationId xmlns:a16="http://schemas.microsoft.com/office/drawing/2014/main" id="{ABD17F87-FE96-4A5F-83F2-3E87B953B074}"/>
               </a:ext>
               <a:ext uri="{C183D7F6-B498-43B3-948B-1728B52AA6E4}">
-                <adec:decorative xmlns="" xmlns:adec="http://schemas.microsoft.com/office/drawing/2017/decorative" val="1"/>
+                <adec:decorative xmlns:adec="http://schemas.microsoft.com/office/drawing/2017/decorative" xmlns="" val="1"/>
               </a:ext>
             </a:extLst>
           </p:cNvPr>
@@ -8192,7 +8192,7 @@
                 <a16:creationId xmlns:a16="http://schemas.microsoft.com/office/drawing/2014/main" id="{9546C973-6034-4DAE-8C50-764E3160487D}"/>
               </a:ext>
               <a:ext uri="{C183D7F6-B498-43B3-948B-1728B52AA6E4}">
-                <adec:decorative xmlns="" xmlns:adec="http://schemas.microsoft.com/office/drawing/2017/decorative" val="1"/>
+                <adec:decorative xmlns:adec="http://schemas.microsoft.com/office/drawing/2017/decorative" xmlns="" val="1"/>
               </a:ext>
             </a:extLst>
           </p:cNvPr>
@@ -8257,7 +8257,7 @@
                 <a16:creationId xmlns:a16="http://schemas.microsoft.com/office/drawing/2014/main" id="{BC2ADC72-9292-411C-B17E-1DC83998D3C8}"/>
               </a:ext>
               <a:ext uri="{C183D7F6-B498-43B3-948B-1728B52AA6E4}">
-                <adec:decorative xmlns="" xmlns:adec="http://schemas.microsoft.com/office/drawing/2017/decorative" val="1"/>
+                <adec:decorative xmlns:adec="http://schemas.microsoft.com/office/drawing/2017/decorative" xmlns="" val="1"/>
               </a:ext>
             </a:extLst>
           </p:cNvPr>
@@ -8378,7 +8378,7 @@
                 <a16:creationId xmlns:a16="http://schemas.microsoft.com/office/drawing/2014/main" id="{ABD17F87-FE96-4A5F-83F2-3E87B953B074}"/>
               </a:ext>
               <a:ext uri="{C183D7F6-B498-43B3-948B-1728B52AA6E4}">
-                <adec:decorative xmlns="" xmlns:adec="http://schemas.microsoft.com/office/drawing/2017/decorative" val="1"/>
+                <adec:decorative xmlns:adec="http://schemas.microsoft.com/office/drawing/2017/decorative" xmlns="" val="1"/>
               </a:ext>
             </a:extLst>
           </p:cNvPr>
@@ -8490,7 +8490,7 @@
                 <a16:creationId xmlns:a16="http://schemas.microsoft.com/office/drawing/2014/main" id="{9546C973-6034-4DAE-8C50-764E3160487D}"/>
               </a:ext>
               <a:ext uri="{C183D7F6-B498-43B3-948B-1728B52AA6E4}">
-                <adec:decorative xmlns="" xmlns:adec="http://schemas.microsoft.com/office/drawing/2017/decorative" val="1"/>
+                <adec:decorative xmlns:adec="http://schemas.microsoft.com/office/drawing/2017/decorative" xmlns="" val="1"/>
               </a:ext>
             </a:extLst>
           </p:cNvPr>
@@ -8555,7 +8555,7 @@
                 <a16:creationId xmlns:a16="http://schemas.microsoft.com/office/drawing/2014/main" id="{BC2ADC72-9292-411C-B17E-1DC83998D3C8}"/>
               </a:ext>
               <a:ext uri="{C183D7F6-B498-43B3-948B-1728B52AA6E4}">
-                <adec:decorative xmlns="" xmlns:adec="http://schemas.microsoft.com/office/drawing/2017/decorative" val="1"/>
+                <adec:decorative xmlns:adec="http://schemas.microsoft.com/office/drawing/2017/decorative" xmlns="" val="1"/>
               </a:ext>
             </a:extLst>
           </p:cNvPr>
@@ -8676,7 +8676,7 @@
                 <a16:creationId xmlns:a16="http://schemas.microsoft.com/office/drawing/2014/main" id="{ABD17F87-FE96-4A5F-83F2-3E87B953B074}"/>
               </a:ext>
               <a:ext uri="{C183D7F6-B498-43B3-948B-1728B52AA6E4}">
-                <adec:decorative xmlns="" xmlns:adec="http://schemas.microsoft.com/office/drawing/2017/decorative" val="1"/>
+                <adec:decorative xmlns:adec="http://schemas.microsoft.com/office/drawing/2017/decorative" xmlns="" val="1"/>
               </a:ext>
             </a:extLst>
           </p:cNvPr>
@@ -8783,7 +8783,7 @@
                 <a16:creationId xmlns:a16="http://schemas.microsoft.com/office/drawing/2014/main" id="{9546C973-6034-4DAE-8C50-764E3160487D}"/>
               </a:ext>
               <a:ext uri="{C183D7F6-B498-43B3-948B-1728B52AA6E4}">
-                <adec:decorative xmlns="" xmlns:adec="http://schemas.microsoft.com/office/drawing/2017/decorative" val="1"/>
+                <adec:decorative xmlns:adec="http://schemas.microsoft.com/office/drawing/2017/decorative" xmlns="" val="1"/>
               </a:ext>
             </a:extLst>
           </p:cNvPr>
@@ -8848,7 +8848,7 @@
                 <a16:creationId xmlns:a16="http://schemas.microsoft.com/office/drawing/2014/main" id="{BC2ADC72-9292-411C-B17E-1DC83998D3C8}"/>
               </a:ext>
               <a:ext uri="{C183D7F6-B498-43B3-948B-1728B52AA6E4}">
-                <adec:decorative xmlns="" xmlns:adec="http://schemas.microsoft.com/office/drawing/2017/decorative" val="1"/>
+                <adec:decorative xmlns:adec="http://schemas.microsoft.com/office/drawing/2017/decorative" xmlns="" val="1"/>
               </a:ext>
             </a:extLst>
           </p:cNvPr>
@@ -8969,7 +8969,7 @@
                 <a16:creationId xmlns:a16="http://schemas.microsoft.com/office/drawing/2014/main" id="{ABD17F87-FE96-4A5F-83F2-3E87B953B074}"/>
               </a:ext>
               <a:ext uri="{C183D7F6-B498-43B3-948B-1728B52AA6E4}">
-                <adec:decorative xmlns="" xmlns:adec="http://schemas.microsoft.com/office/drawing/2017/decorative" val="1"/>
+                <adec:decorative xmlns:adec="http://schemas.microsoft.com/office/drawing/2017/decorative" xmlns="" val="1"/>
               </a:ext>
             </a:extLst>
           </p:cNvPr>
@@ -9068,7 +9068,7 @@
                 <a16:creationId xmlns:a16="http://schemas.microsoft.com/office/drawing/2014/main" id="{9546C973-6034-4DAE-8C50-764E3160487D}"/>
               </a:ext>
               <a:ext uri="{C183D7F6-B498-43B3-948B-1728B52AA6E4}">
-                <adec:decorative xmlns="" xmlns:adec="http://schemas.microsoft.com/office/drawing/2017/decorative" val="1"/>
+                <adec:decorative xmlns:adec="http://schemas.microsoft.com/office/drawing/2017/decorative" xmlns="" val="1"/>
               </a:ext>
             </a:extLst>
           </p:cNvPr>
@@ -9133,7 +9133,7 @@
                 <a16:creationId xmlns:a16="http://schemas.microsoft.com/office/drawing/2014/main" id="{BC2ADC72-9292-411C-B17E-1DC83998D3C8}"/>
               </a:ext>
               <a:ext uri="{C183D7F6-B498-43B3-948B-1728B52AA6E4}">
-                <adec:decorative xmlns="" xmlns:adec="http://schemas.microsoft.com/office/drawing/2017/decorative" val="1"/>
+                <adec:decorative xmlns:adec="http://schemas.microsoft.com/office/drawing/2017/decorative" xmlns="" val="1"/>
               </a:ext>
             </a:extLst>
           </p:cNvPr>
@@ -9306,7 +9306,7 @@
                 <a16:creationId xmlns:a16="http://schemas.microsoft.com/office/drawing/2014/main" id="{ABD17F87-FE96-4A5F-83F2-3E87B953B074}"/>
               </a:ext>
               <a:ext uri="{C183D7F6-B498-43B3-948B-1728B52AA6E4}">
-                <adec:decorative xmlns="" xmlns:adec="http://schemas.microsoft.com/office/drawing/2017/decorative" val="1"/>
+                <adec:decorative xmlns:adec="http://schemas.microsoft.com/office/drawing/2017/decorative" xmlns="" val="1"/>
               </a:ext>
             </a:extLst>
           </p:cNvPr>
@@ -9418,7 +9418,7 @@
                 <a16:creationId xmlns:a16="http://schemas.microsoft.com/office/drawing/2014/main" id="{9546C973-6034-4DAE-8C50-764E3160487D}"/>
               </a:ext>
               <a:ext uri="{C183D7F6-B498-43B3-948B-1728B52AA6E4}">
-                <adec:decorative xmlns="" xmlns:adec="http://schemas.microsoft.com/office/drawing/2017/decorative" val="1"/>
+                <adec:decorative xmlns:adec="http://schemas.microsoft.com/office/drawing/2017/decorative" xmlns="" val="1"/>
               </a:ext>
             </a:extLst>
           </p:cNvPr>
@@ -9483,7 +9483,7 @@
                 <a16:creationId xmlns:a16="http://schemas.microsoft.com/office/drawing/2014/main" id="{BC2ADC72-9292-411C-B17E-1DC83998D3C8}"/>
               </a:ext>
               <a:ext uri="{C183D7F6-B498-43B3-948B-1728B52AA6E4}">
-                <adec:decorative xmlns="" xmlns:adec="http://schemas.microsoft.com/office/drawing/2017/decorative" val="1"/>
+                <adec:decorative xmlns:adec="http://schemas.microsoft.com/office/drawing/2017/decorative" xmlns="" val="1"/>
               </a:ext>
             </a:extLst>
           </p:cNvPr>
@@ -9610,7 +9610,7 @@
                 <a16:creationId xmlns:a16="http://schemas.microsoft.com/office/drawing/2014/main" id="{ABD17F87-FE96-4A5F-83F2-3E87B953B074}"/>
               </a:ext>
               <a:ext uri="{C183D7F6-B498-43B3-948B-1728B52AA6E4}">
-                <adec:decorative xmlns="" xmlns:adec="http://schemas.microsoft.com/office/drawing/2017/decorative" val="1"/>
+                <adec:decorative xmlns:adec="http://schemas.microsoft.com/office/drawing/2017/decorative" xmlns="" val="1"/>
               </a:ext>
             </a:extLst>
           </p:cNvPr>
@@ -9722,7 +9722,7 @@
                 <a16:creationId xmlns:a16="http://schemas.microsoft.com/office/drawing/2014/main" id="{9546C973-6034-4DAE-8C50-764E3160487D}"/>
               </a:ext>
               <a:ext uri="{C183D7F6-B498-43B3-948B-1728B52AA6E4}">
-                <adec:decorative xmlns="" xmlns:adec="http://schemas.microsoft.com/office/drawing/2017/decorative" val="1"/>
+                <adec:decorative xmlns:adec="http://schemas.microsoft.com/office/drawing/2017/decorative" xmlns="" val="1"/>
               </a:ext>
             </a:extLst>
           </p:cNvPr>
@@ -9787,7 +9787,7 @@
                 <a16:creationId xmlns:a16="http://schemas.microsoft.com/office/drawing/2014/main" id="{BC2ADC72-9292-411C-B17E-1DC83998D3C8}"/>
               </a:ext>
               <a:ext uri="{C183D7F6-B498-43B3-948B-1728B52AA6E4}">
-                <adec:decorative xmlns="" xmlns:adec="http://schemas.microsoft.com/office/drawing/2017/decorative" val="1"/>
+                <adec:decorative xmlns:adec="http://schemas.microsoft.com/office/drawing/2017/decorative" xmlns="" val="1"/>
               </a:ext>
             </a:extLst>
           </p:cNvPr>
@@ -9914,7 +9914,7 @@
                 <a16:creationId xmlns:a16="http://schemas.microsoft.com/office/drawing/2014/main" id="{ABD17F87-FE96-4A5F-83F2-3E87B953B074}"/>
               </a:ext>
               <a:ext uri="{C183D7F6-B498-43B3-948B-1728B52AA6E4}">
-                <adec:decorative xmlns="" xmlns:adec="http://schemas.microsoft.com/office/drawing/2017/decorative" val="1"/>
+                <adec:decorative xmlns:adec="http://schemas.microsoft.com/office/drawing/2017/decorative" xmlns="" val="1"/>
               </a:ext>
             </a:extLst>
           </p:cNvPr>
@@ -10013,7 +10013,7 @@
                 <a16:creationId xmlns:a16="http://schemas.microsoft.com/office/drawing/2014/main" id="{9546C973-6034-4DAE-8C50-764E3160487D}"/>
               </a:ext>
               <a:ext uri="{C183D7F6-B498-43B3-948B-1728B52AA6E4}">
-                <adec:decorative xmlns="" xmlns:adec="http://schemas.microsoft.com/office/drawing/2017/decorative" val="1"/>
+                <adec:decorative xmlns:adec="http://schemas.microsoft.com/office/drawing/2017/decorative" xmlns="" val="1"/>
               </a:ext>
             </a:extLst>
           </p:cNvPr>
@@ -10078,7 +10078,7 @@
                 <a16:creationId xmlns:a16="http://schemas.microsoft.com/office/drawing/2014/main" id="{BC2ADC72-9292-411C-B17E-1DC83998D3C8}"/>
               </a:ext>
               <a:ext uri="{C183D7F6-B498-43B3-948B-1728B52AA6E4}">
-                <adec:decorative xmlns="" xmlns:adec="http://schemas.microsoft.com/office/drawing/2017/decorative" val="1"/>
+                <adec:decorative xmlns:adec="http://schemas.microsoft.com/office/drawing/2017/decorative" xmlns="" val="1"/>
               </a:ext>
             </a:extLst>
           </p:cNvPr>
@@ -10175,7 +10175,7 @@
                 <a16:creationId xmlns:a16="http://schemas.microsoft.com/office/drawing/2014/main" id="{ABD17F87-FE96-4A5F-83F2-3E87B953B074}"/>
               </a:ext>
               <a:ext uri="{C183D7F6-B498-43B3-948B-1728B52AA6E4}">
-                <adec:decorative xmlns="" xmlns:adec="http://schemas.microsoft.com/office/drawing/2017/decorative" val="1"/>
+                <adec:decorative xmlns:adec="http://schemas.microsoft.com/office/drawing/2017/decorative" xmlns="" val="1"/>
               </a:ext>
             </a:extLst>
           </p:cNvPr>
@@ -10279,7 +10279,7 @@
                 <a16:creationId xmlns:a16="http://schemas.microsoft.com/office/drawing/2014/main" id="{9546C973-6034-4DAE-8C50-764E3160487D}"/>
               </a:ext>
               <a:ext uri="{C183D7F6-B498-43B3-948B-1728B52AA6E4}">
-                <adec:decorative xmlns="" xmlns:adec="http://schemas.microsoft.com/office/drawing/2017/decorative" val="1"/>
+                <adec:decorative xmlns:adec="http://schemas.microsoft.com/office/drawing/2017/decorative" xmlns="" val="1"/>
               </a:ext>
             </a:extLst>
           </p:cNvPr>
@@ -10344,7 +10344,7 @@
                 <a16:creationId xmlns:a16="http://schemas.microsoft.com/office/drawing/2014/main" id="{BC2ADC72-9292-411C-B17E-1DC83998D3C8}"/>
               </a:ext>
               <a:ext uri="{C183D7F6-B498-43B3-948B-1728B52AA6E4}">
-                <adec:decorative xmlns="" xmlns:adec="http://schemas.microsoft.com/office/drawing/2017/decorative" val="1"/>
+                <adec:decorative xmlns:adec="http://schemas.microsoft.com/office/drawing/2017/decorative" xmlns="" val="1"/>
               </a:ext>
             </a:extLst>
           </p:cNvPr>
@@ -10687,7 +10687,7 @@
                 <a16:creationId xmlns:a16="http://schemas.microsoft.com/office/drawing/2014/main" id="{ABD17F87-FE96-4A5F-83F2-3E87B953B074}"/>
               </a:ext>
               <a:ext uri="{C183D7F6-B498-43B3-948B-1728B52AA6E4}">
-                <adec:decorative xmlns="" xmlns:adec="http://schemas.microsoft.com/office/drawing/2017/decorative" val="1"/>
+                <adec:decorative xmlns:adec="http://schemas.microsoft.com/office/drawing/2017/decorative" xmlns="" val="1"/>
               </a:ext>
             </a:extLst>
           </p:cNvPr>
@@ -10794,7 +10794,7 @@
                 <a16:creationId xmlns:a16="http://schemas.microsoft.com/office/drawing/2014/main" id="{9546C973-6034-4DAE-8C50-764E3160487D}"/>
               </a:ext>
               <a:ext uri="{C183D7F6-B498-43B3-948B-1728B52AA6E4}">
-                <adec:decorative xmlns="" xmlns:adec="http://schemas.microsoft.com/office/drawing/2017/decorative" val="1"/>
+                <adec:decorative xmlns:adec="http://schemas.microsoft.com/office/drawing/2017/decorative" xmlns="" val="1"/>
               </a:ext>
             </a:extLst>
           </p:cNvPr>
@@ -10859,7 +10859,7 @@
                 <a16:creationId xmlns:a16="http://schemas.microsoft.com/office/drawing/2014/main" id="{BC2ADC72-9292-411C-B17E-1DC83998D3C8}"/>
               </a:ext>
               <a:ext uri="{C183D7F6-B498-43B3-948B-1728B52AA6E4}">
-                <adec:decorative xmlns="" xmlns:adec="http://schemas.microsoft.com/office/drawing/2017/decorative" val="1"/>
+                <adec:decorative xmlns:adec="http://schemas.microsoft.com/office/drawing/2017/decorative" xmlns="" val="1"/>
               </a:ext>
             </a:extLst>
           </p:cNvPr>
@@ -11009,7 +11009,7 @@
                 <a16:creationId xmlns:a16="http://schemas.microsoft.com/office/drawing/2014/main" id="{ABD17F87-FE96-4A5F-83F2-3E87B953B074}"/>
               </a:ext>
               <a:ext uri="{C183D7F6-B498-43B3-948B-1728B52AA6E4}">
-                <adec:decorative xmlns="" xmlns:adec="http://schemas.microsoft.com/office/drawing/2017/decorative" val="1"/>
+                <adec:decorative xmlns:adec="http://schemas.microsoft.com/office/drawing/2017/decorative" xmlns="" val="1"/>
               </a:ext>
             </a:extLst>
           </p:cNvPr>
@@ -11113,7 +11113,7 @@
                 <a16:creationId xmlns:a16="http://schemas.microsoft.com/office/drawing/2014/main" id="{9546C973-6034-4DAE-8C50-764E3160487D}"/>
               </a:ext>
               <a:ext uri="{C183D7F6-B498-43B3-948B-1728B52AA6E4}">
-                <adec:decorative xmlns="" xmlns:adec="http://schemas.microsoft.com/office/drawing/2017/decorative" val="1"/>
+                <adec:decorative xmlns:adec="http://schemas.microsoft.com/office/drawing/2017/decorative" xmlns="" val="1"/>
               </a:ext>
             </a:extLst>
           </p:cNvPr>
@@ -11178,7 +11178,7 @@
                 <a16:creationId xmlns:a16="http://schemas.microsoft.com/office/drawing/2014/main" id="{BC2ADC72-9292-411C-B17E-1DC83998D3C8}"/>
               </a:ext>
               <a:ext uri="{C183D7F6-B498-43B3-948B-1728B52AA6E4}">
-                <adec:decorative xmlns="" xmlns:adec="http://schemas.microsoft.com/office/drawing/2017/decorative" val="1"/>
+                <adec:decorative xmlns:adec="http://schemas.microsoft.com/office/drawing/2017/decorative" xmlns="" val="1"/>
               </a:ext>
             </a:extLst>
           </p:cNvPr>
@@ -11320,7 +11320,7 @@
                 <a16:creationId xmlns:a16="http://schemas.microsoft.com/office/drawing/2014/main" id="{ABD17F87-FE96-4A5F-83F2-3E87B953B074}"/>
               </a:ext>
               <a:ext uri="{C183D7F6-B498-43B3-948B-1728B52AA6E4}">
-                <adec:decorative xmlns="" xmlns:adec="http://schemas.microsoft.com/office/drawing/2017/decorative" val="1"/>
+                <adec:decorative xmlns:adec="http://schemas.microsoft.com/office/drawing/2017/decorative" xmlns="" val="1"/>
               </a:ext>
             </a:extLst>
           </p:cNvPr>
@@ -11419,7 +11419,7 @@
                 <a16:creationId xmlns:a16="http://schemas.microsoft.com/office/drawing/2014/main" id="{9546C973-6034-4DAE-8C50-764E3160487D}"/>
               </a:ext>
               <a:ext uri="{C183D7F6-B498-43B3-948B-1728B52AA6E4}">
-                <adec:decorative xmlns="" xmlns:adec="http://schemas.microsoft.com/office/drawing/2017/decorative" val="1"/>
+                <adec:decorative xmlns:adec="http://schemas.microsoft.com/office/drawing/2017/decorative" xmlns="" val="1"/>
               </a:ext>
             </a:extLst>
           </p:cNvPr>
@@ -11484,7 +11484,7 @@
                 <a16:creationId xmlns:a16="http://schemas.microsoft.com/office/drawing/2014/main" id="{BC2ADC72-9292-411C-B17E-1DC83998D3C8}"/>
               </a:ext>
               <a:ext uri="{C183D7F6-B498-43B3-948B-1728B52AA6E4}">
-                <adec:decorative xmlns="" xmlns:adec="http://schemas.microsoft.com/office/drawing/2017/decorative" val="1"/>
+                <adec:decorative xmlns:adec="http://schemas.microsoft.com/office/drawing/2017/decorative" xmlns="" val="1"/>
               </a:ext>
             </a:extLst>
           </p:cNvPr>
@@ -11594,31 +11594,22 @@
               <a:buNone/>
             </a:pPr>
             <a:r>
+              <a:rPr lang="pt-BR" sz="2600" dirty="0">
+                <a:solidFill>
+                  <a:schemeClr val="tx1"/>
+                </a:solidFill>
+                <a:hlinkClick r:id="rId2"/>
+              </a:rPr>
+              <a:t>https://</a:t>
+            </a:r>
+            <a:r>
               <a:rPr lang="pt-BR" sz="2600" dirty="0" smtClean="0">
                 <a:solidFill>
                   <a:schemeClr val="tx1"/>
                 </a:solidFill>
                 <a:hlinkClick r:id="rId2"/>
               </a:rPr>
-              <a:t>https</a:t>
-            </a:r>
-            <a:r>
-              <a:rPr lang="pt-BR" sz="2600" dirty="0">
-                <a:solidFill>
-                  <a:schemeClr val="tx1"/>
-                </a:solidFill>
-                <a:hlinkClick r:id="rId2"/>
-              </a:rPr>
-              <a:t>://</a:t>
-            </a:r>
-            <a:r>
-              <a:rPr lang="pt-BR" sz="2600" dirty="0" smtClean="0">
-                <a:solidFill>
-                  <a:schemeClr val="tx1"/>
-                </a:solidFill>
-                <a:hlinkClick r:id="rId2"/>
-              </a:rPr>
-              <a:t>github.com/leocassiosilva/docuementacao</a:t>
+              <a:t>github.com/leocassiosilva/documentacao</a:t>
             </a:r>
             <a:endParaRPr lang="pt-BR" sz="2600" dirty="0" smtClean="0">
               <a:solidFill>
@@ -11628,7 +11619,7 @@
           </a:p>
           <a:p>
             <a:r>
-              <a:rPr lang="pt-BR" sz="2600" dirty="0">
+              <a:rPr lang="pt-BR" sz="2600" dirty="0" smtClean="0">
                 <a:solidFill>
                   <a:schemeClr val="tx1"/>
                 </a:solidFill>
@@ -11636,7 +11627,7 @@
               <a:t>Link do </a:t>
             </a:r>
             <a:r>
-              <a:rPr lang="pt-BR" sz="2600" dirty="0" err="1">
+              <a:rPr lang="pt-BR" sz="2600" dirty="0" err="1" smtClean="0">
                 <a:solidFill>
                   <a:schemeClr val="tx1"/>
                 </a:solidFill>
@@ -11644,31 +11635,27 @@
               <a:t>git</a:t>
             </a:r>
             <a:r>
-              <a:rPr lang="pt-BR" sz="2600" dirty="0">
-                <a:solidFill>
-                  <a:schemeClr val="tx1"/>
-                </a:solidFill>
-              </a:rPr>
-              <a:t> </a:t>
-            </a:r>
-            <a:r>
               <a:rPr lang="pt-BR" sz="2600" dirty="0" smtClean="0">
                 <a:solidFill>
                   <a:schemeClr val="tx1"/>
                 </a:solidFill>
               </a:rPr>
-              <a:t>(Projeto Spring): </a:t>
-            </a:r>
-            <a:endParaRPr lang="pt-BR" sz="2600" dirty="0">
-              <a:solidFill>
-                <a:schemeClr val="tx1"/>
-              </a:solidFill>
-            </a:endParaRPr>
+              <a:t> (Projeto Spring): </a:t>
+            </a:r>
           </a:p>
           <a:p>
             <a:pPr marL="0" indent="0">
               <a:buNone/>
             </a:pPr>
+            <a:r>
+              <a:rPr lang="pt-BR" sz="2600" dirty="0" smtClean="0">
+                <a:solidFill>
+                  <a:schemeClr val="tx1"/>
+                </a:solidFill>
+                <a:hlinkClick r:id="rId3"/>
+              </a:rPr>
+              <a:t>https</a:t>
+            </a:r>
             <a:r>
               <a:rPr lang="pt-BR" sz="2600" dirty="0">
                 <a:solidFill>
@@ -11676,7 +11663,7 @@
                 </a:solidFill>
                 <a:hlinkClick r:id="rId3"/>
               </a:rPr>
-              <a:t>https://</a:t>
+              <a:t>://</a:t>
             </a:r>
             <a:r>
               <a:rPr lang="pt-BR" sz="2600" dirty="0" smtClean="0">
@@ -11758,7 +11745,7 @@
                 <a16:creationId xmlns:a16="http://schemas.microsoft.com/office/drawing/2014/main" id="{ABD17F87-FE96-4A5F-83F2-3E87B953B074}"/>
               </a:ext>
               <a:ext uri="{C183D7F6-B498-43B3-948B-1728B52AA6E4}">
-                <adec:decorative xmlns="" xmlns:adec="http://schemas.microsoft.com/office/drawing/2017/decorative" val="1"/>
+                <adec:decorative xmlns:adec="http://schemas.microsoft.com/office/drawing/2017/decorative" xmlns="" val="1"/>
               </a:ext>
             </a:extLst>
           </p:cNvPr>
@@ -11862,7 +11849,7 @@
                 <a16:creationId xmlns:a16="http://schemas.microsoft.com/office/drawing/2014/main" id="{9546C973-6034-4DAE-8C50-764E3160487D}"/>
               </a:ext>
               <a:ext uri="{C183D7F6-B498-43B3-948B-1728B52AA6E4}">
-                <adec:decorative xmlns="" xmlns:adec="http://schemas.microsoft.com/office/drawing/2017/decorative" val="1"/>
+                <adec:decorative xmlns:adec="http://schemas.microsoft.com/office/drawing/2017/decorative" xmlns="" val="1"/>
               </a:ext>
             </a:extLst>
           </p:cNvPr>
@@ -11927,7 +11914,7 @@
                 <a16:creationId xmlns:a16="http://schemas.microsoft.com/office/drawing/2014/main" id="{BC2ADC72-9292-411C-B17E-1DC83998D3C8}"/>
               </a:ext>
               <a:ext uri="{C183D7F6-B498-43B3-948B-1728B52AA6E4}">
-                <adec:decorative xmlns="" xmlns:adec="http://schemas.microsoft.com/office/drawing/2017/decorative" val="1"/>
+                <adec:decorative xmlns:adec="http://schemas.microsoft.com/office/drawing/2017/decorative" xmlns="" val="1"/>
               </a:ext>
             </a:extLst>
           </p:cNvPr>
@@ -12156,7 +12143,7 @@
                 <a16:creationId xmlns:a16="http://schemas.microsoft.com/office/drawing/2014/main" id="{ABD17F87-FE96-4A5F-83F2-3E87B953B074}"/>
               </a:ext>
               <a:ext uri="{C183D7F6-B498-43B3-948B-1728B52AA6E4}">
-                <adec:decorative xmlns="" xmlns:adec="http://schemas.microsoft.com/office/drawing/2017/decorative" val="1"/>
+                <adec:decorative xmlns:adec="http://schemas.microsoft.com/office/drawing/2017/decorative" xmlns="" val="1"/>
               </a:ext>
             </a:extLst>
           </p:cNvPr>
@@ -12260,7 +12247,7 @@
                 <a16:creationId xmlns:a16="http://schemas.microsoft.com/office/drawing/2014/main" id="{9546C973-6034-4DAE-8C50-764E3160487D}"/>
               </a:ext>
               <a:ext uri="{C183D7F6-B498-43B3-948B-1728B52AA6E4}">
-                <adec:decorative xmlns="" xmlns:adec="http://schemas.microsoft.com/office/drawing/2017/decorative" val="1"/>
+                <adec:decorative xmlns:adec="http://schemas.microsoft.com/office/drawing/2017/decorative" xmlns="" val="1"/>
               </a:ext>
             </a:extLst>
           </p:cNvPr>
@@ -12325,7 +12312,7 @@
                 <a16:creationId xmlns:a16="http://schemas.microsoft.com/office/drawing/2014/main" id="{BC2ADC72-9292-411C-B17E-1DC83998D3C8}"/>
               </a:ext>
               <a:ext uri="{C183D7F6-B498-43B3-948B-1728B52AA6E4}">
-                <adec:decorative xmlns="" xmlns:adec="http://schemas.microsoft.com/office/drawing/2017/decorative" val="1"/>
+                <adec:decorative xmlns:adec="http://schemas.microsoft.com/office/drawing/2017/decorative" xmlns="" val="1"/>
               </a:ext>
             </a:extLst>
           </p:cNvPr>
@@ -12452,7 +12439,7 @@
                 <a16:creationId xmlns:a16="http://schemas.microsoft.com/office/drawing/2014/main" id="{ABD17F87-FE96-4A5F-83F2-3E87B953B074}"/>
               </a:ext>
               <a:ext uri="{C183D7F6-B498-43B3-948B-1728B52AA6E4}">
-                <adec:decorative xmlns="" xmlns:adec="http://schemas.microsoft.com/office/drawing/2017/decorative" val="1"/>
+                <adec:decorative xmlns:adec="http://schemas.microsoft.com/office/drawing/2017/decorative" xmlns="" val="1"/>
               </a:ext>
             </a:extLst>
           </p:cNvPr>
@@ -12548,7 +12535,7 @@
                 <a16:creationId xmlns:a16="http://schemas.microsoft.com/office/drawing/2014/main" id="{9546C973-6034-4DAE-8C50-764E3160487D}"/>
               </a:ext>
               <a:ext uri="{C183D7F6-B498-43B3-948B-1728B52AA6E4}">
-                <adec:decorative xmlns="" xmlns:adec="http://schemas.microsoft.com/office/drawing/2017/decorative" val="1"/>
+                <adec:decorative xmlns:adec="http://schemas.microsoft.com/office/drawing/2017/decorative" xmlns="" val="1"/>
               </a:ext>
             </a:extLst>
           </p:cNvPr>
@@ -12613,7 +12600,7 @@
                 <a16:creationId xmlns:a16="http://schemas.microsoft.com/office/drawing/2014/main" id="{BC2ADC72-9292-411C-B17E-1DC83998D3C8}"/>
               </a:ext>
               <a:ext uri="{C183D7F6-B498-43B3-948B-1728B52AA6E4}">
-                <adec:decorative xmlns="" xmlns:adec="http://schemas.microsoft.com/office/drawing/2017/decorative" val="1"/>
+                <adec:decorative xmlns:adec="http://schemas.microsoft.com/office/drawing/2017/decorative" xmlns="" val="1"/>
               </a:ext>
             </a:extLst>
           </p:cNvPr>
@@ -12740,7 +12727,7 @@
                 <a16:creationId xmlns:a16="http://schemas.microsoft.com/office/drawing/2014/main" id="{ABD17F87-FE96-4A5F-83F2-3E87B953B074}"/>
               </a:ext>
               <a:ext uri="{C183D7F6-B498-43B3-948B-1728B52AA6E4}">
-                <adec:decorative xmlns="" xmlns:adec="http://schemas.microsoft.com/office/drawing/2017/decorative" val="1"/>
+                <adec:decorative xmlns:adec="http://schemas.microsoft.com/office/drawing/2017/decorative" xmlns="" val="1"/>
               </a:ext>
             </a:extLst>
           </p:cNvPr>
@@ -12860,7 +12847,7 @@
                 <a16:creationId xmlns:a16="http://schemas.microsoft.com/office/drawing/2014/main" id="{9546C973-6034-4DAE-8C50-764E3160487D}"/>
               </a:ext>
               <a:ext uri="{C183D7F6-B498-43B3-948B-1728B52AA6E4}">
-                <adec:decorative xmlns="" xmlns:adec="http://schemas.microsoft.com/office/drawing/2017/decorative" val="1"/>
+                <adec:decorative xmlns:adec="http://schemas.microsoft.com/office/drawing/2017/decorative" xmlns="" val="1"/>
               </a:ext>
             </a:extLst>
           </p:cNvPr>
@@ -12925,7 +12912,7 @@
                 <a16:creationId xmlns:a16="http://schemas.microsoft.com/office/drawing/2014/main" id="{BC2ADC72-9292-411C-B17E-1DC83998D3C8}"/>
               </a:ext>
               <a:ext uri="{C183D7F6-B498-43B3-948B-1728B52AA6E4}">
-                <adec:decorative xmlns="" xmlns:adec="http://schemas.microsoft.com/office/drawing/2017/decorative" val="1"/>
+                <adec:decorative xmlns:adec="http://schemas.microsoft.com/office/drawing/2017/decorative" xmlns="" val="1"/>
               </a:ext>
             </a:extLst>
           </p:cNvPr>
@@ -13046,7 +13033,7 @@
                 <a16:creationId xmlns:a16="http://schemas.microsoft.com/office/drawing/2014/main" id="{ABD17F87-FE96-4A5F-83F2-3E87B953B074}"/>
               </a:ext>
               <a:ext uri="{C183D7F6-B498-43B3-948B-1728B52AA6E4}">
-                <adec:decorative xmlns="" xmlns:adec="http://schemas.microsoft.com/office/drawing/2017/decorative" val="1"/>
+                <adec:decorative xmlns:adec="http://schemas.microsoft.com/office/drawing/2017/decorative" xmlns="" val="1"/>
               </a:ext>
             </a:extLst>
           </p:cNvPr>
@@ -13153,7 +13140,7 @@
                 <a16:creationId xmlns:a16="http://schemas.microsoft.com/office/drawing/2014/main" id="{9546C973-6034-4DAE-8C50-764E3160487D}"/>
               </a:ext>
               <a:ext uri="{C183D7F6-B498-43B3-948B-1728B52AA6E4}">
-                <adec:decorative xmlns="" xmlns:adec="http://schemas.microsoft.com/office/drawing/2017/decorative" val="1"/>
+                <adec:decorative xmlns:adec="http://schemas.microsoft.com/office/drawing/2017/decorative" xmlns="" val="1"/>
               </a:ext>
             </a:extLst>
           </p:cNvPr>
@@ -13218,7 +13205,7 @@
                 <a16:creationId xmlns:a16="http://schemas.microsoft.com/office/drawing/2014/main" id="{BC2ADC72-9292-411C-B17E-1DC83998D3C8}"/>
               </a:ext>
               <a:ext uri="{C183D7F6-B498-43B3-948B-1728B52AA6E4}">
-                <adec:decorative xmlns="" xmlns:adec="http://schemas.microsoft.com/office/drawing/2017/decorative" val="1"/>
+                <adec:decorative xmlns:adec="http://schemas.microsoft.com/office/drawing/2017/decorative" xmlns="" val="1"/>
               </a:ext>
             </a:extLst>
           </p:cNvPr>

--- a/Primeira Apresentação Projeto Integrador.pptx
+++ b/Primeira Apresentação Projeto Integrador.pptx
@@ -1343,7 +1343,7 @@
             <a:fld id="{9334D819-9F07-4261-B09B-9E467E5D9002}" type="datetimeFigureOut">
               <a:rPr lang="en-US" dirty="0"/>
               <a:pPr/>
-              <a:t>11/15/2020</a:t>
+              <a:t>11/16/2020</a:t>
             </a:fld>
             <a:endParaRPr lang="en-US" dirty="0"/>
           </a:p>
@@ -1577,7 +1577,7 @@
           <a:p>
             <a:fld id="{9334D819-9F07-4261-B09B-9E467E5D9002}" type="datetimeFigureOut">
               <a:rPr lang="en-US" dirty="0"/>
-              <a:t>11/15/2020</a:t>
+              <a:t>11/16/2020</a:t>
             </a:fld>
             <a:endParaRPr lang="en-US" dirty="0"/>
           </a:p>
@@ -1752,7 +1752,7 @@
           <a:p>
             <a:fld id="{9334D819-9F07-4261-B09B-9E467E5D9002}" type="datetimeFigureOut">
               <a:rPr lang="en-US" dirty="0"/>
-              <a:t>11/15/2020</a:t>
+              <a:t>11/16/2020</a:t>
             </a:fld>
             <a:endParaRPr lang="en-US" dirty="0"/>
           </a:p>
@@ -1917,7 +1917,7 @@
           <a:p>
             <a:fld id="{9334D819-9F07-4261-B09B-9E467E5D9002}" type="datetimeFigureOut">
               <a:rPr lang="en-US" dirty="0"/>
-              <a:t>11/15/2020</a:t>
+              <a:t>11/16/2020</a:t>
             </a:fld>
             <a:endParaRPr lang="en-US" dirty="0"/>
           </a:p>
@@ -2189,7 +2189,7 @@
             <a:fld id="{9334D819-9F07-4261-B09B-9E467E5D9002}" type="datetimeFigureOut">
               <a:rPr lang="en-US" dirty="0"/>
               <a:pPr/>
-              <a:t>11/15/2020</a:t>
+              <a:t>11/16/2020</a:t>
             </a:fld>
             <a:endParaRPr lang="en-US" dirty="0"/>
           </a:p>
@@ -3386,7 +3386,7 @@
           <a:p>
             <a:fld id="{9334D819-9F07-4261-B09B-9E467E5D9002}" type="datetimeFigureOut">
               <a:rPr lang="en-US" dirty="0"/>
-              <a:t>11/15/2020</a:t>
+              <a:t>11/16/2020</a:t>
             </a:fld>
             <a:endParaRPr lang="en-US" dirty="0"/>
           </a:p>
@@ -3771,7 +3771,7 @@
           <a:p>
             <a:fld id="{9334D819-9F07-4261-B09B-9E467E5D9002}" type="datetimeFigureOut">
               <a:rPr lang="en-US" dirty="0"/>
-              <a:t>11/15/2020</a:t>
+              <a:t>11/16/2020</a:t>
             </a:fld>
             <a:endParaRPr lang="en-US" dirty="0"/>
           </a:p>
@@ -3889,7 +3889,7 @@
           <a:p>
             <a:fld id="{9334D819-9F07-4261-B09B-9E467E5D9002}" type="datetimeFigureOut">
               <a:rPr lang="en-US" dirty="0"/>
-              <a:t>11/15/2020</a:t>
+              <a:t>11/16/2020</a:t>
             </a:fld>
             <a:endParaRPr lang="en-US" dirty="0"/>
           </a:p>
@@ -3979,7 +3979,7 @@
           <a:p>
             <a:fld id="{9334D819-9F07-4261-B09B-9E467E5D9002}" type="datetimeFigureOut">
               <a:rPr lang="en-US" dirty="0"/>
-              <a:t>11/15/2020</a:t>
+              <a:t>11/16/2020</a:t>
             </a:fld>
             <a:endParaRPr lang="en-US" dirty="0"/>
           </a:p>
@@ -4737,7 +4737,7 @@
           <a:p>
             <a:fld id="{9334D819-9F07-4261-B09B-9E467E5D9002}" type="datetimeFigureOut">
               <a:rPr lang="en-US" dirty="0"/>
-              <a:t>11/15/2020</a:t>
+              <a:t>11/16/2020</a:t>
             </a:fld>
             <a:endParaRPr lang="en-US" dirty="0"/>
           </a:p>
@@ -5572,7 +5572,7 @@
           <a:p>
             <a:fld id="{9334D819-9F07-4261-B09B-9E467E5D9002}" type="datetimeFigureOut">
               <a:rPr lang="en-US" dirty="0"/>
-              <a:t>11/15/2020</a:t>
+              <a:t>11/16/2020</a:t>
             </a:fld>
             <a:endParaRPr lang="en-US" dirty="0"/>
           </a:p>
@@ -5795,7 +5795,7 @@
             <a:fld id="{9334D819-9F07-4261-B09B-9E467E5D9002}" type="datetimeFigureOut">
               <a:rPr lang="en-US" dirty="0"/>
               <a:pPr/>
-              <a:t>11/15/2020</a:t>
+              <a:t>11/16/2020</a:t>
             </a:fld>
             <a:endParaRPr lang="en-US" dirty="0"/>
           </a:p>
@@ -10768,7 +10768,7 @@
           <a:lstStyle/>
           <a:p>
             <a:r>
-              <a:rPr lang="pt-BR" dirty="0" err="1">
+              <a:rPr lang="pt-BR" dirty="0" err="1" smtClean="0">
                 <a:solidFill>
                   <a:schemeClr val="tx1"/>
                 </a:solidFill>
@@ -10776,13 +10776,18 @@
               <a:t>Backlog</a:t>
             </a:r>
             <a:r>
-              <a:rPr lang="pt-BR" dirty="0">
+              <a:rPr lang="pt-BR" dirty="0" smtClean="0">
                 <a:solidFill>
                   <a:schemeClr val="tx1"/>
                 </a:solidFill>
               </a:rPr>
               <a:t> do produto (caso ágil)</a:t>
             </a:r>
+            <a:endParaRPr lang="pt-BR" dirty="0">
+              <a:solidFill>
+                <a:schemeClr val="tx1"/>
+              </a:solidFill>
+            </a:endParaRPr>
           </a:p>
         </p:txBody>
       </p:sp>
@@ -10903,59 +10908,1391 @@
           </a:fontRef>
         </p:style>
       </p:cxnSp>
-      <p:sp>
-        <p:nvSpPr>
-          <p:cNvPr id="3" name="Espaço Reservado para Conteúdo 2">
-            <a:extLst>
-              <a:ext uri="{FF2B5EF4-FFF2-40B4-BE49-F238E27FC236}">
-                <a16:creationId xmlns:a16="http://schemas.microsoft.com/office/drawing/2014/main" id="{7F88E498-157F-4716-BE67-206877223423}"/>
-              </a:ext>
-            </a:extLst>
-          </p:cNvPr>
-          <p:cNvSpPr>
-            <a:spLocks noGrp="1"/>
-          </p:cNvSpPr>
-          <p:nvPr>
-            <p:ph idx="1"/>
-          </p:nvPr>
-        </p:nvSpPr>
-        <p:spPr>
-          <a:xfrm>
-            <a:off x="761996" y="2286001"/>
-            <a:ext cx="8009767" cy="3593592"/>
-          </a:xfrm>
-        </p:spPr>
-        <p:txBody>
-          <a:bodyPr>
-            <a:normAutofit/>
-          </a:bodyPr>
-          <a:lstStyle/>
-          <a:p>
-            <a:r>
-              <a:rPr lang="pt-BR" sz="2400" dirty="0"/>
-              <a:t>Exibir veículos disponíveis (data/local);</a:t>
-            </a:r>
-          </a:p>
-          <a:p>
-            <a:r>
-              <a:rPr lang="pt-BR" sz="2400" dirty="0"/>
-              <a:t>Exibir opcionais disponíveis no veículo; </a:t>
-            </a:r>
-          </a:p>
-          <a:p>
-            <a:r>
-              <a:rPr lang="pt-BR" sz="2400" dirty="0"/>
-              <a:t>Reservar veículo;  </a:t>
-            </a:r>
-          </a:p>
-          <a:p>
-            <a:r>
-              <a:rPr lang="pt-BR" sz="2400" dirty="0"/>
-              <a:t>Exibir reservas por usuário. </a:t>
-            </a:r>
-          </a:p>
-        </p:txBody>
-      </p:sp>
+      <p:graphicFrame>
+        <p:nvGraphicFramePr>
+          <p:cNvPr id="5" name="Tabela 4"/>
+          <p:cNvGraphicFramePr>
+            <a:graphicFrameLocks noGrp="1"/>
+          </p:cNvGraphicFramePr>
+          <p:nvPr>
+            <p:extLst>
+              <p:ext uri="{D42A27DB-BD31-4B8C-83A1-F6EECF244321}">
+                <p14:modId xmlns:p14="http://schemas.microsoft.com/office/powerpoint/2010/main" val="3528895842"/>
+              </p:ext>
+            </p:extLst>
+          </p:nvPr>
+        </p:nvGraphicFramePr>
+        <p:xfrm>
+          <a:off x="973916" y="1745930"/>
+          <a:ext cx="9915531" cy="4745590"/>
+        </p:xfrm>
+        <a:graphic>
+          <a:graphicData uri="http://schemas.openxmlformats.org/drawingml/2006/table">
+            <a:tbl>
+              <a:tblPr firstRow="1" firstCol="1" bandRow="1">
+                <a:tableStyleId>{0E3FDE45-AF77-4B5C-9715-49D594BDF05E}</a:tableStyleId>
+              </a:tblPr>
+              <a:tblGrid>
+                <a:gridCol w="1195032">
+                  <a:extLst>
+                    <a:ext uri="{9D8B030D-6E8A-4147-A177-3AD203B41FA5}">
+                      <a16:colId xmlns:a16="http://schemas.microsoft.com/office/drawing/2014/main" val="3135430339"/>
+                    </a:ext>
+                  </a:extLst>
+                </a:gridCol>
+                <a:gridCol w="5434368">
+                  <a:extLst>
+                    <a:ext uri="{9D8B030D-6E8A-4147-A177-3AD203B41FA5}">
+                      <a16:colId xmlns:a16="http://schemas.microsoft.com/office/drawing/2014/main" val="798675236"/>
+                    </a:ext>
+                  </a:extLst>
+                </a:gridCol>
+                <a:gridCol w="1071564">
+                  <a:extLst>
+                    <a:ext uri="{9D8B030D-6E8A-4147-A177-3AD203B41FA5}">
+                      <a16:colId xmlns:a16="http://schemas.microsoft.com/office/drawing/2014/main" val="1757500431"/>
+                    </a:ext>
+                  </a:extLst>
+                </a:gridCol>
+                <a:gridCol w="871539">
+                  <a:extLst>
+                    <a:ext uri="{9D8B030D-6E8A-4147-A177-3AD203B41FA5}">
+                      <a16:colId xmlns:a16="http://schemas.microsoft.com/office/drawing/2014/main" val="1743584518"/>
+                    </a:ext>
+                  </a:extLst>
+                </a:gridCol>
+                <a:gridCol w="1343028">
+                  <a:extLst>
+                    <a:ext uri="{9D8B030D-6E8A-4147-A177-3AD203B41FA5}">
+                      <a16:colId xmlns:a16="http://schemas.microsoft.com/office/drawing/2014/main" val="3761662360"/>
+                    </a:ext>
+                  </a:extLst>
+                </a:gridCol>
+              </a:tblGrid>
+              <a:tr h="212177">
+                <a:tc gridSpan="5">
+                  <a:txBody>
+                    <a:bodyPr/>
+                    <a:lstStyle/>
+                    <a:p>
+                      <a:pPr algn="ctr">
+                        <a:lnSpc>
+                          <a:spcPct val="107000"/>
+                        </a:lnSpc>
+                        <a:spcAft>
+                          <a:spcPts val="0"/>
+                        </a:spcAft>
+                      </a:pPr>
+                      <a:r>
+                        <a:rPr lang="pt-BR" sz="1400">
+                          <a:effectLst/>
+                        </a:rPr>
+                        <a:t>Produto Backlog</a:t>
+                      </a:r>
+                      <a:endParaRPr lang="pt-BR" sz="1400">
+                        <a:effectLst/>
+                        <a:latin typeface="Calibri" panose="020F0502020204030204" pitchFamily="34" charset="0"/>
+                        <a:ea typeface="Calibri" panose="020F0502020204030204" pitchFamily="34" charset="0"/>
+                        <a:cs typeface="Times New Roman" panose="02020603050405020304" pitchFamily="18" charset="0"/>
+                      </a:endParaRPr>
+                    </a:p>
+                  </a:txBody>
+                  <a:tcPr marL="35231" marR="35231" marT="0" marB="0"/>
+                </a:tc>
+                <a:tc hMerge="1">
+                  <a:txBody>
+                    <a:bodyPr/>
+                    <a:lstStyle/>
+                    <a:p>
+                      <a:endParaRPr lang="pt-BR"/>
+                    </a:p>
+                  </a:txBody>
+                  <a:tcPr/>
+                </a:tc>
+                <a:tc hMerge="1">
+                  <a:txBody>
+                    <a:bodyPr/>
+                    <a:lstStyle/>
+                    <a:p>
+                      <a:endParaRPr lang="pt-BR"/>
+                    </a:p>
+                  </a:txBody>
+                  <a:tcPr/>
+                </a:tc>
+                <a:tc hMerge="1">
+                  <a:txBody>
+                    <a:bodyPr/>
+                    <a:lstStyle/>
+                    <a:p>
+                      <a:endParaRPr lang="pt-BR"/>
+                    </a:p>
+                  </a:txBody>
+                  <a:tcPr/>
+                </a:tc>
+                <a:tc hMerge="1">
+                  <a:txBody>
+                    <a:bodyPr/>
+                    <a:lstStyle/>
+                    <a:p>
+                      <a:endParaRPr lang="pt-BR"/>
+                    </a:p>
+                  </a:txBody>
+                  <a:tcPr/>
+                </a:tc>
+                <a:extLst>
+                  <a:ext uri="{0D108BD9-81ED-4DB2-BD59-A6C34878D82A}">
+                    <a16:rowId xmlns:a16="http://schemas.microsoft.com/office/drawing/2014/main" val="2660482769"/>
+                  </a:ext>
+                </a:extLst>
+              </a:tr>
+              <a:tr h="223034">
+                <a:tc>
+                  <a:txBody>
+                    <a:bodyPr/>
+                    <a:lstStyle/>
+                    <a:p>
+                      <a:pPr algn="ctr">
+                        <a:lnSpc>
+                          <a:spcPct val="107000"/>
+                        </a:lnSpc>
+                        <a:spcAft>
+                          <a:spcPts val="0"/>
+                        </a:spcAft>
+                      </a:pPr>
+                      <a:r>
+                        <a:rPr lang="pt-BR" sz="1400">
+                          <a:effectLst/>
+                        </a:rPr>
+                        <a:t>ID</a:t>
+                      </a:r>
+                      <a:endParaRPr lang="pt-BR" sz="1400">
+                        <a:effectLst/>
+                        <a:latin typeface="Calibri" panose="020F0502020204030204" pitchFamily="34" charset="0"/>
+                        <a:ea typeface="Calibri" panose="020F0502020204030204" pitchFamily="34" charset="0"/>
+                        <a:cs typeface="Times New Roman" panose="02020603050405020304" pitchFamily="18" charset="0"/>
+                      </a:endParaRPr>
+                    </a:p>
+                  </a:txBody>
+                  <a:tcPr marL="35231" marR="35231" marT="0" marB="0" anchor="ctr"/>
+                </a:tc>
+                <a:tc>
+                  <a:txBody>
+                    <a:bodyPr/>
+                    <a:lstStyle/>
+                    <a:p>
+                      <a:pPr algn="ctr">
+                        <a:lnSpc>
+                          <a:spcPct val="107000"/>
+                        </a:lnSpc>
+                        <a:spcAft>
+                          <a:spcPts val="0"/>
+                        </a:spcAft>
+                      </a:pPr>
+                      <a:r>
+                        <a:rPr lang="pt-BR" sz="1400" b="1" dirty="0" err="1">
+                          <a:effectLst/>
+                        </a:rPr>
+                        <a:t>User</a:t>
+                      </a:r>
+                      <a:r>
+                        <a:rPr lang="pt-BR" sz="1400" b="1" dirty="0">
+                          <a:effectLst/>
+                        </a:rPr>
+                        <a:t> </a:t>
+                      </a:r>
+                      <a:r>
+                        <a:rPr lang="pt-BR" sz="1400" b="1" dirty="0" err="1">
+                          <a:effectLst/>
+                        </a:rPr>
+                        <a:t>Story</a:t>
+                      </a:r>
+                      <a:endParaRPr lang="pt-BR" sz="1400" b="1" dirty="0">
+                        <a:effectLst/>
+                        <a:latin typeface="Calibri" panose="020F0502020204030204" pitchFamily="34" charset="0"/>
+                        <a:ea typeface="Calibri" panose="020F0502020204030204" pitchFamily="34" charset="0"/>
+                        <a:cs typeface="Times New Roman" panose="02020603050405020304" pitchFamily="18" charset="0"/>
+                      </a:endParaRPr>
+                    </a:p>
+                  </a:txBody>
+                  <a:tcPr marL="35231" marR="35231" marT="0" marB="0" anchor="ctr"/>
+                </a:tc>
+                <a:tc>
+                  <a:txBody>
+                    <a:bodyPr/>
+                    <a:lstStyle/>
+                    <a:p>
+                      <a:pPr algn="ctr">
+                        <a:lnSpc>
+                          <a:spcPct val="107000"/>
+                        </a:lnSpc>
+                        <a:spcAft>
+                          <a:spcPts val="0"/>
+                        </a:spcAft>
+                      </a:pPr>
+                      <a:r>
+                        <a:rPr lang="pt-BR" sz="1400" b="1" dirty="0">
+                          <a:effectLst/>
+                        </a:rPr>
+                        <a:t>Prioridade</a:t>
+                      </a:r>
+                      <a:endParaRPr lang="pt-BR" sz="1400" b="1" dirty="0">
+                        <a:effectLst/>
+                        <a:latin typeface="Calibri" panose="020F0502020204030204" pitchFamily="34" charset="0"/>
+                        <a:ea typeface="Calibri" panose="020F0502020204030204" pitchFamily="34" charset="0"/>
+                        <a:cs typeface="Times New Roman" panose="02020603050405020304" pitchFamily="18" charset="0"/>
+                      </a:endParaRPr>
+                    </a:p>
+                  </a:txBody>
+                  <a:tcPr marL="35231" marR="35231" marT="0" marB="0" anchor="ctr"/>
+                </a:tc>
+                <a:tc>
+                  <a:txBody>
+                    <a:bodyPr/>
+                    <a:lstStyle/>
+                    <a:p>
+                      <a:pPr algn="ctr">
+                        <a:lnSpc>
+                          <a:spcPct val="107000"/>
+                        </a:lnSpc>
+                        <a:spcAft>
+                          <a:spcPts val="0"/>
+                        </a:spcAft>
+                      </a:pPr>
+                      <a:r>
+                        <a:rPr lang="pt-BR" sz="1400" b="1">
+                          <a:effectLst/>
+                        </a:rPr>
+                        <a:t>Sprint</a:t>
+                      </a:r>
+                      <a:endParaRPr lang="pt-BR" sz="1400" b="1">
+                        <a:effectLst/>
+                        <a:latin typeface="Calibri" panose="020F0502020204030204" pitchFamily="34" charset="0"/>
+                        <a:ea typeface="Calibri" panose="020F0502020204030204" pitchFamily="34" charset="0"/>
+                        <a:cs typeface="Times New Roman" panose="02020603050405020304" pitchFamily="18" charset="0"/>
+                      </a:endParaRPr>
+                    </a:p>
+                  </a:txBody>
+                  <a:tcPr marL="35231" marR="35231" marT="0" marB="0" anchor="ctr"/>
+                </a:tc>
+                <a:tc>
+                  <a:txBody>
+                    <a:bodyPr/>
+                    <a:lstStyle/>
+                    <a:p>
+                      <a:pPr algn="ctr">
+                        <a:lnSpc>
+                          <a:spcPct val="107000"/>
+                        </a:lnSpc>
+                        <a:spcAft>
+                          <a:spcPts val="0"/>
+                        </a:spcAft>
+                      </a:pPr>
+                      <a:r>
+                        <a:rPr lang="pt-BR" sz="1400" b="1" dirty="0">
+                          <a:effectLst/>
+                        </a:rPr>
+                        <a:t>Esforço(</a:t>
+                      </a:r>
+                      <a:r>
+                        <a:rPr lang="pt-BR" sz="1400" b="1" dirty="0" err="1">
+                          <a:effectLst/>
+                        </a:rPr>
+                        <a:t>hrs</a:t>
+                      </a:r>
+                      <a:r>
+                        <a:rPr lang="pt-BR" sz="1400" b="1" dirty="0">
+                          <a:effectLst/>
+                        </a:rPr>
+                        <a:t>)</a:t>
+                      </a:r>
+                      <a:endParaRPr lang="pt-BR" sz="1400" b="1" dirty="0">
+                        <a:effectLst/>
+                        <a:latin typeface="Calibri" panose="020F0502020204030204" pitchFamily="34" charset="0"/>
+                        <a:ea typeface="Calibri" panose="020F0502020204030204" pitchFamily="34" charset="0"/>
+                        <a:cs typeface="Times New Roman" panose="02020603050405020304" pitchFamily="18" charset="0"/>
+                      </a:endParaRPr>
+                    </a:p>
+                  </a:txBody>
+                  <a:tcPr marL="35231" marR="35231" marT="0" marB="0" anchor="ctr"/>
+                </a:tc>
+                <a:extLst>
+                  <a:ext uri="{0D108BD9-81ED-4DB2-BD59-A6C34878D82A}">
+                    <a16:rowId xmlns:a16="http://schemas.microsoft.com/office/drawing/2014/main" val="1812179573"/>
+                  </a:ext>
+                </a:extLst>
+              </a:tr>
+              <a:tr h="1115169">
+                <a:tc>
+                  <a:txBody>
+                    <a:bodyPr/>
+                    <a:lstStyle/>
+                    <a:p>
+                      <a:pPr algn="ctr">
+                        <a:lnSpc>
+                          <a:spcPct val="107000"/>
+                        </a:lnSpc>
+                        <a:spcAft>
+                          <a:spcPts val="0"/>
+                        </a:spcAft>
+                      </a:pPr>
+                      <a:r>
+                        <a:rPr lang="pt-BR" sz="1400">
+                          <a:effectLst/>
+                        </a:rPr>
+                        <a:t>1</a:t>
+                      </a:r>
+                      <a:endParaRPr lang="pt-BR" sz="1400">
+                        <a:effectLst/>
+                        <a:latin typeface="Calibri" panose="020F0502020204030204" pitchFamily="34" charset="0"/>
+                        <a:ea typeface="Calibri" panose="020F0502020204030204" pitchFamily="34" charset="0"/>
+                        <a:cs typeface="Times New Roman" panose="02020603050405020304" pitchFamily="18" charset="0"/>
+                      </a:endParaRPr>
+                    </a:p>
+                  </a:txBody>
+                  <a:tcPr marL="35231" marR="35231" marT="0" marB="0" anchor="ctr"/>
+                </a:tc>
+                <a:tc>
+                  <a:txBody>
+                    <a:bodyPr/>
+                    <a:lstStyle/>
+                    <a:p>
+                      <a:pPr algn="ctr">
+                        <a:lnSpc>
+                          <a:spcPct val="107000"/>
+                        </a:lnSpc>
+                        <a:spcAft>
+                          <a:spcPts val="0"/>
+                        </a:spcAft>
+                      </a:pPr>
+                      <a:r>
+                        <a:rPr lang="pt-BR" sz="1400" dirty="0">
+                          <a:effectLst/>
+                        </a:rPr>
+                        <a:t>Realizar Front-</a:t>
+                      </a:r>
+                      <a:r>
+                        <a:rPr lang="pt-BR" sz="1400" dirty="0" err="1">
+                          <a:effectLst/>
+                        </a:rPr>
+                        <a:t>end</a:t>
+                      </a:r>
+                      <a:r>
+                        <a:rPr lang="pt-BR" sz="1400" dirty="0">
+                          <a:effectLst/>
+                        </a:rPr>
+                        <a:t> (Home). </a:t>
+                      </a:r>
+                      <a:r>
+                        <a:rPr lang="pt-BR" sz="1400" dirty="0" smtClean="0">
+                          <a:effectLst/>
+                        </a:rPr>
+                        <a:t> Cadastro </a:t>
+                      </a:r>
+                      <a:r>
+                        <a:rPr lang="pt-BR" sz="1400" dirty="0">
+                          <a:effectLst/>
+                        </a:rPr>
+                        <a:t>de </a:t>
+                      </a:r>
+                      <a:r>
+                        <a:rPr lang="pt-BR" sz="1400" dirty="0" smtClean="0">
+                          <a:effectLst/>
+                        </a:rPr>
+                        <a:t>Veículos </a:t>
+                      </a:r>
+                      <a:r>
+                        <a:rPr lang="pt-BR" sz="1400" dirty="0">
+                          <a:effectLst/>
+                        </a:rPr>
+                        <a:t>(Back-</a:t>
+                      </a:r>
+                      <a:r>
+                        <a:rPr lang="pt-BR" sz="1400" dirty="0" err="1">
+                          <a:effectLst/>
+                        </a:rPr>
+                        <a:t>end</a:t>
+                      </a:r>
+                      <a:r>
+                        <a:rPr lang="pt-BR" sz="1400" dirty="0">
+                          <a:effectLst/>
+                        </a:rPr>
+                        <a:t> </a:t>
+                      </a:r>
+                      <a:r>
+                        <a:rPr lang="pt-BR" sz="1400" dirty="0" smtClean="0">
+                          <a:effectLst/>
+                        </a:rPr>
+                        <a:t>– codificação), Documento </a:t>
+                      </a:r>
+                      <a:r>
+                        <a:rPr lang="pt-BR" sz="1400" dirty="0">
+                          <a:effectLst/>
+                        </a:rPr>
+                        <a:t>de </a:t>
+                      </a:r>
+                      <a:r>
+                        <a:rPr lang="pt-BR" sz="1400" dirty="0" smtClean="0">
+                          <a:effectLst/>
+                        </a:rPr>
+                        <a:t>requisitos</a:t>
+                      </a:r>
+                      <a:r>
+                        <a:rPr lang="pt-BR" sz="1400" baseline="0" dirty="0" smtClean="0">
+                          <a:effectLst/>
+                        </a:rPr>
+                        <a:t> </a:t>
+                      </a:r>
+                      <a:r>
+                        <a:rPr lang="pt-BR" sz="1400" dirty="0" smtClean="0">
+                          <a:effectLst/>
+                        </a:rPr>
+                        <a:t>e de visão </a:t>
+                      </a:r>
+                      <a:endParaRPr lang="pt-BR" sz="1400" dirty="0">
+                        <a:effectLst/>
+                        <a:latin typeface="Calibri" panose="020F0502020204030204" pitchFamily="34" charset="0"/>
+                        <a:ea typeface="Calibri" panose="020F0502020204030204" pitchFamily="34" charset="0"/>
+                        <a:cs typeface="Times New Roman" panose="02020603050405020304" pitchFamily="18" charset="0"/>
+                      </a:endParaRPr>
+                    </a:p>
+                  </a:txBody>
+                  <a:tcPr marL="35231" marR="35231" marT="0" marB="0" anchor="ctr"/>
+                </a:tc>
+                <a:tc>
+                  <a:txBody>
+                    <a:bodyPr/>
+                    <a:lstStyle/>
+                    <a:p>
+                      <a:pPr algn="ctr">
+                        <a:lnSpc>
+                          <a:spcPct val="107000"/>
+                        </a:lnSpc>
+                        <a:spcAft>
+                          <a:spcPts val="0"/>
+                        </a:spcAft>
+                      </a:pPr>
+                      <a:r>
+                        <a:rPr lang="pt-BR" sz="1400" dirty="0">
+                          <a:effectLst/>
+                        </a:rPr>
+                        <a:t>1</a:t>
+                      </a:r>
+                      <a:endParaRPr lang="pt-BR" sz="1400" dirty="0">
+                        <a:effectLst/>
+                        <a:latin typeface="Calibri" panose="020F0502020204030204" pitchFamily="34" charset="0"/>
+                        <a:ea typeface="Calibri" panose="020F0502020204030204" pitchFamily="34" charset="0"/>
+                        <a:cs typeface="Times New Roman" panose="02020603050405020304" pitchFamily="18" charset="0"/>
+                      </a:endParaRPr>
+                    </a:p>
+                  </a:txBody>
+                  <a:tcPr marL="35231" marR="35231" marT="0" marB="0" anchor="ctr"/>
+                </a:tc>
+                <a:tc>
+                  <a:txBody>
+                    <a:bodyPr/>
+                    <a:lstStyle/>
+                    <a:p>
+                      <a:pPr algn="ctr">
+                        <a:lnSpc>
+                          <a:spcPct val="107000"/>
+                        </a:lnSpc>
+                        <a:spcAft>
+                          <a:spcPts val="0"/>
+                        </a:spcAft>
+                      </a:pPr>
+                      <a:r>
+                        <a:rPr lang="pt-BR" sz="1400" dirty="0">
+                          <a:effectLst/>
+                        </a:rPr>
+                        <a:t>1</a:t>
+                      </a:r>
+                      <a:endParaRPr lang="pt-BR" sz="1400" dirty="0">
+                        <a:effectLst/>
+                        <a:latin typeface="Calibri" panose="020F0502020204030204" pitchFamily="34" charset="0"/>
+                        <a:ea typeface="Calibri" panose="020F0502020204030204" pitchFamily="34" charset="0"/>
+                        <a:cs typeface="Times New Roman" panose="02020603050405020304" pitchFamily="18" charset="0"/>
+                      </a:endParaRPr>
+                    </a:p>
+                  </a:txBody>
+                  <a:tcPr marL="35231" marR="35231" marT="0" marB="0" anchor="ctr"/>
+                </a:tc>
+                <a:tc>
+                  <a:txBody>
+                    <a:bodyPr/>
+                    <a:lstStyle/>
+                    <a:p>
+                      <a:pPr algn="ctr">
+                        <a:lnSpc>
+                          <a:spcPct val="107000"/>
+                        </a:lnSpc>
+                        <a:spcAft>
+                          <a:spcPts val="0"/>
+                        </a:spcAft>
+                      </a:pPr>
+                      <a:r>
+                        <a:rPr lang="pt-BR" sz="1400" dirty="0">
+                          <a:effectLst/>
+                        </a:rPr>
+                        <a:t>15</a:t>
+                      </a:r>
+                      <a:endParaRPr lang="pt-BR" sz="1400" dirty="0">
+                        <a:effectLst/>
+                        <a:latin typeface="Calibri" panose="020F0502020204030204" pitchFamily="34" charset="0"/>
+                        <a:ea typeface="Calibri" panose="020F0502020204030204" pitchFamily="34" charset="0"/>
+                        <a:cs typeface="Times New Roman" panose="02020603050405020304" pitchFamily="18" charset="0"/>
+                      </a:endParaRPr>
+                    </a:p>
+                  </a:txBody>
+                  <a:tcPr marL="35231" marR="35231" marT="0" marB="0" anchor="ctr"/>
+                </a:tc>
+                <a:extLst>
+                  <a:ext uri="{0D108BD9-81ED-4DB2-BD59-A6C34878D82A}">
+                    <a16:rowId xmlns:a16="http://schemas.microsoft.com/office/drawing/2014/main" val="3504565407"/>
+                  </a:ext>
+                </a:extLst>
+              </a:tr>
+              <a:tr h="892135">
+                <a:tc>
+                  <a:txBody>
+                    <a:bodyPr/>
+                    <a:lstStyle/>
+                    <a:p>
+                      <a:pPr algn="ctr">
+                        <a:lnSpc>
+                          <a:spcPct val="107000"/>
+                        </a:lnSpc>
+                        <a:spcAft>
+                          <a:spcPts val="0"/>
+                        </a:spcAft>
+                      </a:pPr>
+                      <a:r>
+                        <a:rPr lang="pt-BR" sz="1400">
+                          <a:effectLst/>
+                        </a:rPr>
+                        <a:t>2</a:t>
+                      </a:r>
+                      <a:endParaRPr lang="pt-BR" sz="1400">
+                        <a:effectLst/>
+                        <a:latin typeface="Calibri" panose="020F0502020204030204" pitchFamily="34" charset="0"/>
+                        <a:ea typeface="Calibri" panose="020F0502020204030204" pitchFamily="34" charset="0"/>
+                        <a:cs typeface="Times New Roman" panose="02020603050405020304" pitchFamily="18" charset="0"/>
+                      </a:endParaRPr>
+                    </a:p>
+                  </a:txBody>
+                  <a:tcPr marL="35231" marR="35231" marT="0" marB="0" anchor="ctr"/>
+                </a:tc>
+                <a:tc>
+                  <a:txBody>
+                    <a:bodyPr/>
+                    <a:lstStyle/>
+                    <a:p>
+                      <a:pPr algn="ctr">
+                        <a:lnSpc>
+                          <a:spcPct val="107000"/>
+                        </a:lnSpc>
+                        <a:spcAft>
+                          <a:spcPts val="0"/>
+                        </a:spcAft>
+                      </a:pPr>
+                      <a:r>
+                        <a:rPr lang="pt-BR" sz="1400" dirty="0">
+                          <a:effectLst/>
+                        </a:rPr>
+                        <a:t>Realizar Front-</a:t>
+                      </a:r>
+                      <a:r>
+                        <a:rPr lang="pt-BR" sz="1400" dirty="0" err="1">
+                          <a:effectLst/>
+                        </a:rPr>
+                        <a:t>end</a:t>
+                      </a:r>
+                      <a:r>
+                        <a:rPr lang="pt-BR" sz="1400" dirty="0">
+                          <a:effectLst/>
+                        </a:rPr>
+                        <a:t> do Veículo </a:t>
+                      </a:r>
+                      <a:r>
+                        <a:rPr lang="pt-BR" sz="1400" dirty="0" err="1">
+                          <a:effectLst/>
+                        </a:rPr>
+                        <a:t>Vip</a:t>
+                      </a:r>
+                      <a:r>
+                        <a:rPr lang="pt-BR" sz="1400" dirty="0">
+                          <a:effectLst/>
+                        </a:rPr>
+                        <a:t> e Normal</a:t>
+                      </a:r>
+                      <a:r>
+                        <a:rPr lang="pt-BR" sz="1400" dirty="0" smtClean="0">
+                          <a:effectLst/>
+                        </a:rPr>
+                        <a:t>), Diagrama </a:t>
+                      </a:r>
+                      <a:r>
+                        <a:rPr lang="pt-BR" sz="1400" dirty="0">
+                          <a:effectLst/>
+                        </a:rPr>
+                        <a:t>de caso de uso e de classe. </a:t>
+                      </a:r>
+                      <a:endParaRPr lang="pt-BR" sz="1400" dirty="0">
+                        <a:effectLst/>
+                        <a:latin typeface="Calibri" panose="020F0502020204030204" pitchFamily="34" charset="0"/>
+                        <a:ea typeface="Calibri" panose="020F0502020204030204" pitchFamily="34" charset="0"/>
+                        <a:cs typeface="Times New Roman" panose="02020603050405020304" pitchFamily="18" charset="0"/>
+                      </a:endParaRPr>
+                    </a:p>
+                  </a:txBody>
+                  <a:tcPr marL="35231" marR="35231" marT="0" marB="0" anchor="ctr"/>
+                </a:tc>
+                <a:tc>
+                  <a:txBody>
+                    <a:bodyPr/>
+                    <a:lstStyle/>
+                    <a:p>
+                      <a:pPr algn="ctr">
+                        <a:lnSpc>
+                          <a:spcPct val="107000"/>
+                        </a:lnSpc>
+                        <a:spcAft>
+                          <a:spcPts val="0"/>
+                        </a:spcAft>
+                      </a:pPr>
+                      <a:r>
+                        <a:rPr lang="pt-BR" sz="1400">
+                          <a:effectLst/>
+                        </a:rPr>
+                        <a:t>2</a:t>
+                      </a:r>
+                      <a:endParaRPr lang="pt-BR" sz="1400">
+                        <a:effectLst/>
+                        <a:latin typeface="Calibri" panose="020F0502020204030204" pitchFamily="34" charset="0"/>
+                        <a:ea typeface="Calibri" panose="020F0502020204030204" pitchFamily="34" charset="0"/>
+                        <a:cs typeface="Times New Roman" panose="02020603050405020304" pitchFamily="18" charset="0"/>
+                      </a:endParaRPr>
+                    </a:p>
+                  </a:txBody>
+                  <a:tcPr marL="35231" marR="35231" marT="0" marB="0" anchor="ctr"/>
+                </a:tc>
+                <a:tc>
+                  <a:txBody>
+                    <a:bodyPr/>
+                    <a:lstStyle/>
+                    <a:p>
+                      <a:pPr algn="ctr">
+                        <a:lnSpc>
+                          <a:spcPct val="107000"/>
+                        </a:lnSpc>
+                        <a:spcAft>
+                          <a:spcPts val="0"/>
+                        </a:spcAft>
+                      </a:pPr>
+                      <a:r>
+                        <a:rPr lang="pt-BR" sz="1400">
+                          <a:effectLst/>
+                        </a:rPr>
+                        <a:t>1</a:t>
+                      </a:r>
+                      <a:endParaRPr lang="pt-BR" sz="1400">
+                        <a:effectLst/>
+                        <a:latin typeface="Calibri" panose="020F0502020204030204" pitchFamily="34" charset="0"/>
+                        <a:ea typeface="Calibri" panose="020F0502020204030204" pitchFamily="34" charset="0"/>
+                        <a:cs typeface="Times New Roman" panose="02020603050405020304" pitchFamily="18" charset="0"/>
+                      </a:endParaRPr>
+                    </a:p>
+                  </a:txBody>
+                  <a:tcPr marL="35231" marR="35231" marT="0" marB="0" anchor="ctr"/>
+                </a:tc>
+                <a:tc>
+                  <a:txBody>
+                    <a:bodyPr/>
+                    <a:lstStyle/>
+                    <a:p>
+                      <a:pPr algn="ctr">
+                        <a:lnSpc>
+                          <a:spcPct val="107000"/>
+                        </a:lnSpc>
+                        <a:spcAft>
+                          <a:spcPts val="0"/>
+                        </a:spcAft>
+                      </a:pPr>
+                      <a:r>
+                        <a:rPr lang="pt-BR" sz="1400">
+                          <a:effectLst/>
+                        </a:rPr>
+                        <a:t>15</a:t>
+                      </a:r>
+                      <a:endParaRPr lang="pt-BR" sz="1400">
+                        <a:effectLst/>
+                        <a:latin typeface="Calibri" panose="020F0502020204030204" pitchFamily="34" charset="0"/>
+                        <a:ea typeface="Calibri" panose="020F0502020204030204" pitchFamily="34" charset="0"/>
+                        <a:cs typeface="Times New Roman" panose="02020603050405020304" pitchFamily="18" charset="0"/>
+                      </a:endParaRPr>
+                    </a:p>
+                  </a:txBody>
+                  <a:tcPr marL="35231" marR="35231" marT="0" marB="0" anchor="ctr"/>
+                </a:tc>
+                <a:extLst>
+                  <a:ext uri="{0D108BD9-81ED-4DB2-BD59-A6C34878D82A}">
+                    <a16:rowId xmlns:a16="http://schemas.microsoft.com/office/drawing/2014/main" val="1223984554"/>
+                  </a:ext>
+                </a:extLst>
+              </a:tr>
+              <a:tr h="892135">
+                <a:tc>
+                  <a:txBody>
+                    <a:bodyPr/>
+                    <a:lstStyle/>
+                    <a:p>
+                      <a:pPr algn="ctr">
+                        <a:lnSpc>
+                          <a:spcPct val="107000"/>
+                        </a:lnSpc>
+                        <a:spcAft>
+                          <a:spcPts val="0"/>
+                        </a:spcAft>
+                      </a:pPr>
+                      <a:r>
+                        <a:rPr lang="pt-BR" sz="1400" smtClean="0">
+                          <a:effectLst/>
+                        </a:rPr>
+                        <a:t>3</a:t>
+                      </a:r>
+                      <a:endParaRPr lang="pt-BR" sz="1400">
+                        <a:effectLst/>
+                        <a:latin typeface="Calibri" panose="020F0502020204030204" pitchFamily="34" charset="0"/>
+                        <a:ea typeface="Calibri" panose="020F0502020204030204" pitchFamily="34" charset="0"/>
+                        <a:cs typeface="Times New Roman" panose="02020603050405020304" pitchFamily="18" charset="0"/>
+                      </a:endParaRPr>
+                    </a:p>
+                  </a:txBody>
+                  <a:tcPr marL="35231" marR="35231" marT="0" marB="0" anchor="ctr"/>
+                </a:tc>
+                <a:tc>
+                  <a:txBody>
+                    <a:bodyPr/>
+                    <a:lstStyle/>
+                    <a:p>
+                      <a:pPr algn="ctr">
+                        <a:lnSpc>
+                          <a:spcPct val="107000"/>
+                        </a:lnSpc>
+                        <a:spcAft>
+                          <a:spcPts val="0"/>
+                        </a:spcAft>
+                      </a:pPr>
+                      <a:r>
+                        <a:rPr lang="pt-BR" sz="1400" dirty="0" smtClean="0">
+                          <a:effectLst/>
+                        </a:rPr>
+                        <a:t>Cadastro de Usuário e </a:t>
+                      </a:r>
+                      <a:r>
+                        <a:rPr lang="pt-BR" sz="1400" dirty="0" err="1" smtClean="0">
+                          <a:effectLst/>
+                        </a:rPr>
+                        <a:t>Login</a:t>
+                      </a:r>
+                      <a:r>
+                        <a:rPr lang="pt-BR" sz="1400" dirty="0" smtClean="0">
+                          <a:effectLst/>
+                        </a:rPr>
+                        <a:t> (Front-</a:t>
+                      </a:r>
+                      <a:r>
+                        <a:rPr lang="pt-BR" sz="1400" dirty="0" err="1" smtClean="0">
+                          <a:effectLst/>
+                        </a:rPr>
+                        <a:t>end</a:t>
+                      </a:r>
+                      <a:r>
+                        <a:rPr lang="pt-BR" sz="1400" dirty="0" smtClean="0">
+                          <a:effectLst/>
+                        </a:rPr>
+                        <a:t> e Back-</a:t>
+                      </a:r>
+                      <a:r>
+                        <a:rPr lang="pt-BR" sz="1400" dirty="0" err="1" smtClean="0">
+                          <a:effectLst/>
+                        </a:rPr>
+                        <a:t>end</a:t>
+                      </a:r>
+                      <a:r>
+                        <a:rPr lang="pt-BR" sz="1400" dirty="0" smtClean="0">
+                          <a:effectLst/>
+                        </a:rPr>
+                        <a:t>), Modelo</a:t>
+                      </a:r>
+                      <a:r>
+                        <a:rPr lang="pt-BR" sz="1400" baseline="0" dirty="0" smtClean="0">
+                          <a:effectLst/>
+                        </a:rPr>
+                        <a:t> </a:t>
+                      </a:r>
+                      <a:r>
+                        <a:rPr lang="pt-BR" sz="1400" dirty="0" smtClean="0">
+                          <a:effectLst/>
+                        </a:rPr>
+                        <a:t>de dados e documento de arquitetura. </a:t>
+                      </a:r>
+                      <a:endParaRPr lang="pt-BR" sz="1400" dirty="0">
+                        <a:effectLst/>
+                        <a:latin typeface="Calibri" panose="020F0502020204030204" pitchFamily="34" charset="0"/>
+                        <a:ea typeface="Calibri" panose="020F0502020204030204" pitchFamily="34" charset="0"/>
+                        <a:cs typeface="Times New Roman" panose="02020603050405020304" pitchFamily="18" charset="0"/>
+                      </a:endParaRPr>
+                    </a:p>
+                  </a:txBody>
+                  <a:tcPr marL="35231" marR="35231" marT="0" marB="0" anchor="ctr"/>
+                </a:tc>
+                <a:tc>
+                  <a:txBody>
+                    <a:bodyPr/>
+                    <a:lstStyle/>
+                    <a:p>
+                      <a:pPr algn="ctr">
+                        <a:lnSpc>
+                          <a:spcPct val="107000"/>
+                        </a:lnSpc>
+                        <a:spcAft>
+                          <a:spcPts val="0"/>
+                        </a:spcAft>
+                      </a:pPr>
+                      <a:r>
+                        <a:rPr lang="pt-BR" sz="1400" dirty="0" smtClean="0">
+                          <a:effectLst/>
+                        </a:rPr>
+                        <a:t>3</a:t>
+                      </a:r>
+                      <a:endParaRPr lang="pt-BR" sz="1400" dirty="0">
+                        <a:effectLst/>
+                        <a:latin typeface="Calibri" panose="020F0502020204030204" pitchFamily="34" charset="0"/>
+                        <a:ea typeface="Calibri" panose="020F0502020204030204" pitchFamily="34" charset="0"/>
+                        <a:cs typeface="Times New Roman" panose="02020603050405020304" pitchFamily="18" charset="0"/>
+                      </a:endParaRPr>
+                    </a:p>
+                  </a:txBody>
+                  <a:tcPr marL="35231" marR="35231" marT="0" marB="0" anchor="ctr"/>
+                </a:tc>
+                <a:tc>
+                  <a:txBody>
+                    <a:bodyPr/>
+                    <a:lstStyle/>
+                    <a:p>
+                      <a:pPr algn="ctr">
+                        <a:lnSpc>
+                          <a:spcPct val="107000"/>
+                        </a:lnSpc>
+                        <a:spcAft>
+                          <a:spcPts val="0"/>
+                        </a:spcAft>
+                      </a:pPr>
+                      <a:r>
+                        <a:rPr lang="pt-BR" sz="1400" smtClean="0">
+                          <a:effectLst/>
+                        </a:rPr>
+                        <a:t>2</a:t>
+                      </a:r>
+                      <a:endParaRPr lang="pt-BR" sz="1400">
+                        <a:effectLst/>
+                        <a:latin typeface="Calibri" panose="020F0502020204030204" pitchFamily="34" charset="0"/>
+                        <a:ea typeface="Calibri" panose="020F0502020204030204" pitchFamily="34" charset="0"/>
+                        <a:cs typeface="Times New Roman" panose="02020603050405020304" pitchFamily="18" charset="0"/>
+                      </a:endParaRPr>
+                    </a:p>
+                  </a:txBody>
+                  <a:tcPr marL="35231" marR="35231" marT="0" marB="0" anchor="ctr"/>
+                </a:tc>
+                <a:tc>
+                  <a:txBody>
+                    <a:bodyPr/>
+                    <a:lstStyle/>
+                    <a:p>
+                      <a:pPr algn="ctr">
+                        <a:lnSpc>
+                          <a:spcPct val="107000"/>
+                        </a:lnSpc>
+                        <a:spcAft>
+                          <a:spcPts val="0"/>
+                        </a:spcAft>
+                      </a:pPr>
+                      <a:r>
+                        <a:rPr lang="pt-BR" sz="1400" smtClean="0">
+                          <a:effectLst/>
+                        </a:rPr>
+                        <a:t>15</a:t>
+                      </a:r>
+                      <a:endParaRPr lang="pt-BR" sz="1400">
+                        <a:effectLst/>
+                        <a:latin typeface="Calibri" panose="020F0502020204030204" pitchFamily="34" charset="0"/>
+                        <a:ea typeface="Calibri" panose="020F0502020204030204" pitchFamily="34" charset="0"/>
+                        <a:cs typeface="Times New Roman" panose="02020603050405020304" pitchFamily="18" charset="0"/>
+                      </a:endParaRPr>
+                    </a:p>
+                  </a:txBody>
+                  <a:tcPr marL="35231" marR="35231" marT="0" marB="0" anchor="ctr"/>
+                </a:tc>
+                <a:extLst>
+                  <a:ext uri="{0D108BD9-81ED-4DB2-BD59-A6C34878D82A}">
+                    <a16:rowId xmlns:a16="http://schemas.microsoft.com/office/drawing/2014/main" val="771148974"/>
+                  </a:ext>
+                </a:extLst>
+              </a:tr>
+              <a:tr h="669101">
+                <a:tc>
+                  <a:txBody>
+                    <a:bodyPr/>
+                    <a:lstStyle/>
+                    <a:p>
+                      <a:pPr algn="ctr">
+                        <a:lnSpc>
+                          <a:spcPct val="107000"/>
+                        </a:lnSpc>
+                        <a:spcAft>
+                          <a:spcPts val="0"/>
+                        </a:spcAft>
+                      </a:pPr>
+                      <a:r>
+                        <a:rPr lang="pt-BR" sz="1400" smtClean="0">
+                          <a:effectLst/>
+                        </a:rPr>
+                        <a:t>4</a:t>
+                      </a:r>
+                      <a:endParaRPr lang="pt-BR" sz="1400">
+                        <a:effectLst/>
+                        <a:latin typeface="Calibri" panose="020F0502020204030204" pitchFamily="34" charset="0"/>
+                        <a:ea typeface="Calibri" panose="020F0502020204030204" pitchFamily="34" charset="0"/>
+                        <a:cs typeface="Times New Roman" panose="02020603050405020304" pitchFamily="18" charset="0"/>
+                      </a:endParaRPr>
+                    </a:p>
+                  </a:txBody>
+                  <a:tcPr marL="35231" marR="35231" marT="0" marB="0" anchor="ctr"/>
+                </a:tc>
+                <a:tc>
+                  <a:txBody>
+                    <a:bodyPr/>
+                    <a:lstStyle/>
+                    <a:p>
+                      <a:pPr algn="ctr">
+                        <a:lnSpc>
+                          <a:spcPct val="107000"/>
+                        </a:lnSpc>
+                        <a:spcAft>
+                          <a:spcPts val="0"/>
+                        </a:spcAft>
+                      </a:pPr>
+                      <a:r>
+                        <a:rPr lang="pt-BR" sz="1400" smtClean="0">
+                          <a:effectLst/>
+                        </a:rPr>
+                        <a:t>Locação de Veículos (back-end), Modelo de dados, codificação e testes.</a:t>
+                      </a:r>
+                      <a:endParaRPr lang="pt-BR" sz="1400">
+                        <a:effectLst/>
+                        <a:latin typeface="Calibri" panose="020F0502020204030204" pitchFamily="34" charset="0"/>
+                        <a:ea typeface="Calibri" panose="020F0502020204030204" pitchFamily="34" charset="0"/>
+                        <a:cs typeface="Times New Roman" panose="02020603050405020304" pitchFamily="18" charset="0"/>
+                      </a:endParaRPr>
+                    </a:p>
+                  </a:txBody>
+                  <a:tcPr marL="35231" marR="35231" marT="0" marB="0" anchor="ctr"/>
+                </a:tc>
+                <a:tc>
+                  <a:txBody>
+                    <a:bodyPr/>
+                    <a:lstStyle/>
+                    <a:p>
+                      <a:pPr algn="ctr">
+                        <a:lnSpc>
+                          <a:spcPct val="107000"/>
+                        </a:lnSpc>
+                        <a:spcAft>
+                          <a:spcPts val="0"/>
+                        </a:spcAft>
+                      </a:pPr>
+                      <a:r>
+                        <a:rPr lang="pt-BR" sz="1400" smtClean="0">
+                          <a:effectLst/>
+                        </a:rPr>
+                        <a:t>4</a:t>
+                      </a:r>
+                      <a:endParaRPr lang="pt-BR" sz="1400">
+                        <a:effectLst/>
+                        <a:latin typeface="Calibri" panose="020F0502020204030204" pitchFamily="34" charset="0"/>
+                        <a:ea typeface="Calibri" panose="020F0502020204030204" pitchFamily="34" charset="0"/>
+                        <a:cs typeface="Times New Roman" panose="02020603050405020304" pitchFamily="18" charset="0"/>
+                      </a:endParaRPr>
+                    </a:p>
+                  </a:txBody>
+                  <a:tcPr marL="35231" marR="35231" marT="0" marB="0" anchor="ctr"/>
+                </a:tc>
+                <a:tc>
+                  <a:txBody>
+                    <a:bodyPr/>
+                    <a:lstStyle/>
+                    <a:p>
+                      <a:pPr algn="ctr">
+                        <a:lnSpc>
+                          <a:spcPct val="107000"/>
+                        </a:lnSpc>
+                        <a:spcAft>
+                          <a:spcPts val="0"/>
+                        </a:spcAft>
+                      </a:pPr>
+                      <a:r>
+                        <a:rPr lang="pt-BR" sz="1400" smtClean="0">
+                          <a:effectLst/>
+                        </a:rPr>
+                        <a:t>2</a:t>
+                      </a:r>
+                      <a:endParaRPr lang="pt-BR" sz="1400">
+                        <a:effectLst/>
+                        <a:latin typeface="Calibri" panose="020F0502020204030204" pitchFamily="34" charset="0"/>
+                        <a:ea typeface="Calibri" panose="020F0502020204030204" pitchFamily="34" charset="0"/>
+                        <a:cs typeface="Times New Roman" panose="02020603050405020304" pitchFamily="18" charset="0"/>
+                      </a:endParaRPr>
+                    </a:p>
+                  </a:txBody>
+                  <a:tcPr marL="35231" marR="35231" marT="0" marB="0" anchor="ctr"/>
+                </a:tc>
+                <a:tc>
+                  <a:txBody>
+                    <a:bodyPr/>
+                    <a:lstStyle/>
+                    <a:p>
+                      <a:pPr algn="ctr">
+                        <a:lnSpc>
+                          <a:spcPct val="107000"/>
+                        </a:lnSpc>
+                        <a:spcAft>
+                          <a:spcPts val="0"/>
+                        </a:spcAft>
+                      </a:pPr>
+                      <a:r>
+                        <a:rPr lang="pt-BR" sz="1400" smtClean="0">
+                          <a:effectLst/>
+                        </a:rPr>
+                        <a:t>15</a:t>
+                      </a:r>
+                      <a:endParaRPr lang="pt-BR" sz="1400">
+                        <a:effectLst/>
+                        <a:latin typeface="Calibri" panose="020F0502020204030204" pitchFamily="34" charset="0"/>
+                        <a:ea typeface="Calibri" panose="020F0502020204030204" pitchFamily="34" charset="0"/>
+                        <a:cs typeface="Times New Roman" panose="02020603050405020304" pitchFamily="18" charset="0"/>
+                      </a:endParaRPr>
+                    </a:p>
+                  </a:txBody>
+                  <a:tcPr marL="35231" marR="35231" marT="0" marB="0" anchor="ctr"/>
+                </a:tc>
+                <a:extLst>
+                  <a:ext uri="{0D108BD9-81ED-4DB2-BD59-A6C34878D82A}">
+                    <a16:rowId xmlns:a16="http://schemas.microsoft.com/office/drawing/2014/main" val="1084177707"/>
+                  </a:ext>
+                </a:extLst>
+              </a:tr>
+              <a:tr h="223034">
+                <a:tc>
+                  <a:txBody>
+                    <a:bodyPr/>
+                    <a:lstStyle/>
+                    <a:p>
+                      <a:pPr algn="ctr">
+                        <a:lnSpc>
+                          <a:spcPct val="107000"/>
+                        </a:lnSpc>
+                        <a:spcAft>
+                          <a:spcPts val="0"/>
+                        </a:spcAft>
+                      </a:pPr>
+                      <a:r>
+                        <a:rPr lang="pt-BR" sz="1400" smtClean="0">
+                          <a:effectLst/>
+                        </a:rPr>
+                        <a:t>5</a:t>
+                      </a:r>
+                      <a:endParaRPr lang="pt-BR" sz="1400">
+                        <a:effectLst/>
+                        <a:latin typeface="Calibri" panose="020F0502020204030204" pitchFamily="34" charset="0"/>
+                        <a:ea typeface="Calibri" panose="020F0502020204030204" pitchFamily="34" charset="0"/>
+                        <a:cs typeface="Times New Roman" panose="02020603050405020304" pitchFamily="18" charset="0"/>
+                      </a:endParaRPr>
+                    </a:p>
+                  </a:txBody>
+                  <a:tcPr marL="35231" marR="35231" marT="0" marB="0" anchor="ctr"/>
+                </a:tc>
+                <a:tc>
+                  <a:txBody>
+                    <a:bodyPr/>
+                    <a:lstStyle/>
+                    <a:p>
+                      <a:pPr algn="ctr">
+                        <a:lnSpc>
+                          <a:spcPct val="107000"/>
+                        </a:lnSpc>
+                        <a:spcAft>
+                          <a:spcPts val="0"/>
+                        </a:spcAft>
+                      </a:pPr>
+                      <a:r>
+                        <a:rPr lang="pt-BR" sz="1400" smtClean="0">
+                          <a:effectLst/>
+                        </a:rPr>
+                        <a:t>Consumir Api pagamento. </a:t>
+                      </a:r>
+                      <a:endParaRPr lang="pt-BR" sz="1400">
+                        <a:effectLst/>
+                        <a:latin typeface="Calibri" panose="020F0502020204030204" pitchFamily="34" charset="0"/>
+                        <a:ea typeface="Calibri" panose="020F0502020204030204" pitchFamily="34" charset="0"/>
+                        <a:cs typeface="Times New Roman" panose="02020603050405020304" pitchFamily="18" charset="0"/>
+                      </a:endParaRPr>
+                    </a:p>
+                  </a:txBody>
+                  <a:tcPr marL="35231" marR="35231" marT="0" marB="0" anchor="ctr"/>
+                </a:tc>
+                <a:tc>
+                  <a:txBody>
+                    <a:bodyPr/>
+                    <a:lstStyle/>
+                    <a:p>
+                      <a:pPr algn="ctr">
+                        <a:lnSpc>
+                          <a:spcPct val="107000"/>
+                        </a:lnSpc>
+                        <a:spcAft>
+                          <a:spcPts val="0"/>
+                        </a:spcAft>
+                      </a:pPr>
+                      <a:r>
+                        <a:rPr lang="pt-BR" sz="1400" smtClean="0">
+                          <a:effectLst/>
+                        </a:rPr>
+                        <a:t>5</a:t>
+                      </a:r>
+                      <a:endParaRPr lang="pt-BR" sz="1400">
+                        <a:effectLst/>
+                        <a:latin typeface="Calibri" panose="020F0502020204030204" pitchFamily="34" charset="0"/>
+                        <a:ea typeface="Calibri" panose="020F0502020204030204" pitchFamily="34" charset="0"/>
+                        <a:cs typeface="Times New Roman" panose="02020603050405020304" pitchFamily="18" charset="0"/>
+                      </a:endParaRPr>
+                    </a:p>
+                  </a:txBody>
+                  <a:tcPr marL="35231" marR="35231" marT="0" marB="0" anchor="ctr"/>
+                </a:tc>
+                <a:tc>
+                  <a:txBody>
+                    <a:bodyPr/>
+                    <a:lstStyle/>
+                    <a:p>
+                      <a:pPr algn="ctr">
+                        <a:lnSpc>
+                          <a:spcPct val="107000"/>
+                        </a:lnSpc>
+                        <a:spcAft>
+                          <a:spcPts val="0"/>
+                        </a:spcAft>
+                      </a:pPr>
+                      <a:r>
+                        <a:rPr lang="pt-BR" sz="1400" smtClean="0">
+                          <a:effectLst/>
+                        </a:rPr>
+                        <a:t>3</a:t>
+                      </a:r>
+                      <a:endParaRPr lang="pt-BR" sz="1400">
+                        <a:effectLst/>
+                        <a:latin typeface="Calibri" panose="020F0502020204030204" pitchFamily="34" charset="0"/>
+                        <a:ea typeface="Calibri" panose="020F0502020204030204" pitchFamily="34" charset="0"/>
+                        <a:cs typeface="Times New Roman" panose="02020603050405020304" pitchFamily="18" charset="0"/>
+                      </a:endParaRPr>
+                    </a:p>
+                  </a:txBody>
+                  <a:tcPr marL="35231" marR="35231" marT="0" marB="0" anchor="ctr"/>
+                </a:tc>
+                <a:tc>
+                  <a:txBody>
+                    <a:bodyPr/>
+                    <a:lstStyle/>
+                    <a:p>
+                      <a:pPr algn="ctr">
+                        <a:lnSpc>
+                          <a:spcPct val="107000"/>
+                        </a:lnSpc>
+                        <a:spcAft>
+                          <a:spcPts val="0"/>
+                        </a:spcAft>
+                      </a:pPr>
+                      <a:r>
+                        <a:rPr lang="pt-BR" sz="1400" smtClean="0">
+                          <a:effectLst/>
+                        </a:rPr>
+                        <a:t>15</a:t>
+                      </a:r>
+                      <a:endParaRPr lang="pt-BR" sz="1400">
+                        <a:effectLst/>
+                        <a:latin typeface="Calibri" panose="020F0502020204030204" pitchFamily="34" charset="0"/>
+                        <a:ea typeface="Calibri" panose="020F0502020204030204" pitchFamily="34" charset="0"/>
+                        <a:cs typeface="Times New Roman" panose="02020603050405020304" pitchFamily="18" charset="0"/>
+                      </a:endParaRPr>
+                    </a:p>
+                  </a:txBody>
+                  <a:tcPr marL="35231" marR="35231" marT="0" marB="0" anchor="ctr"/>
+                </a:tc>
+                <a:extLst>
+                  <a:ext uri="{0D108BD9-81ED-4DB2-BD59-A6C34878D82A}">
+                    <a16:rowId xmlns:a16="http://schemas.microsoft.com/office/drawing/2014/main" val="1119219630"/>
+                  </a:ext>
+                </a:extLst>
+              </a:tr>
+              <a:tr h="513812">
+                <a:tc>
+                  <a:txBody>
+                    <a:bodyPr/>
+                    <a:lstStyle/>
+                    <a:p>
+                      <a:pPr algn="ctr">
+                        <a:lnSpc>
+                          <a:spcPct val="107000"/>
+                        </a:lnSpc>
+                        <a:spcAft>
+                          <a:spcPts val="0"/>
+                        </a:spcAft>
+                      </a:pPr>
+                      <a:r>
+                        <a:rPr lang="pt-BR" sz="1400" smtClean="0">
+                          <a:effectLst/>
+                        </a:rPr>
+                        <a:t>6</a:t>
+                      </a:r>
+                      <a:endParaRPr lang="pt-BR" sz="1400">
+                        <a:effectLst/>
+                        <a:latin typeface="Calibri" panose="020F0502020204030204" pitchFamily="34" charset="0"/>
+                        <a:ea typeface="Calibri" panose="020F0502020204030204" pitchFamily="34" charset="0"/>
+                        <a:cs typeface="Times New Roman" panose="02020603050405020304" pitchFamily="18" charset="0"/>
+                      </a:endParaRPr>
+                    </a:p>
+                  </a:txBody>
+                  <a:tcPr marL="35231" marR="35231" marT="0" marB="0" anchor="ctr"/>
+                </a:tc>
+                <a:tc>
+                  <a:txBody>
+                    <a:bodyPr/>
+                    <a:lstStyle/>
+                    <a:p>
+                      <a:pPr algn="ctr">
+                        <a:lnSpc>
+                          <a:spcPct val="107000"/>
+                        </a:lnSpc>
+                        <a:spcAft>
+                          <a:spcPts val="0"/>
+                        </a:spcAft>
+                      </a:pPr>
+                      <a:r>
+                        <a:rPr lang="pt-BR" sz="1400" smtClean="0">
+                          <a:effectLst/>
+                        </a:rPr>
+                        <a:t>Api do sistema de locação de veículos, codificação e testes.  </a:t>
+                      </a:r>
+                      <a:endParaRPr lang="pt-BR" sz="1400">
+                        <a:effectLst/>
+                        <a:latin typeface="Calibri" panose="020F0502020204030204" pitchFamily="34" charset="0"/>
+                        <a:ea typeface="Calibri" panose="020F0502020204030204" pitchFamily="34" charset="0"/>
+                        <a:cs typeface="Times New Roman" panose="02020603050405020304" pitchFamily="18" charset="0"/>
+                      </a:endParaRPr>
+                    </a:p>
+                  </a:txBody>
+                  <a:tcPr marL="35231" marR="35231" marT="0" marB="0" anchor="ctr"/>
+                </a:tc>
+                <a:tc>
+                  <a:txBody>
+                    <a:bodyPr/>
+                    <a:lstStyle/>
+                    <a:p>
+                      <a:pPr algn="ctr">
+                        <a:lnSpc>
+                          <a:spcPct val="107000"/>
+                        </a:lnSpc>
+                        <a:spcAft>
+                          <a:spcPts val="0"/>
+                        </a:spcAft>
+                      </a:pPr>
+                      <a:r>
+                        <a:rPr lang="pt-BR" sz="1400" dirty="0" smtClean="0">
+                          <a:effectLst/>
+                        </a:rPr>
+                        <a:t>6</a:t>
+                      </a:r>
+                      <a:endParaRPr lang="pt-BR" sz="1400" dirty="0">
+                        <a:effectLst/>
+                        <a:latin typeface="Calibri" panose="020F0502020204030204" pitchFamily="34" charset="0"/>
+                        <a:ea typeface="Calibri" panose="020F0502020204030204" pitchFamily="34" charset="0"/>
+                        <a:cs typeface="Times New Roman" panose="02020603050405020304" pitchFamily="18" charset="0"/>
+                      </a:endParaRPr>
+                    </a:p>
+                  </a:txBody>
+                  <a:tcPr marL="35231" marR="35231" marT="0" marB="0" anchor="ctr"/>
+                </a:tc>
+                <a:tc>
+                  <a:txBody>
+                    <a:bodyPr/>
+                    <a:lstStyle/>
+                    <a:p>
+                      <a:pPr algn="ctr">
+                        <a:lnSpc>
+                          <a:spcPct val="107000"/>
+                        </a:lnSpc>
+                        <a:spcAft>
+                          <a:spcPts val="0"/>
+                        </a:spcAft>
+                      </a:pPr>
+                      <a:r>
+                        <a:rPr lang="pt-BR" sz="1400" smtClean="0">
+                          <a:effectLst/>
+                        </a:rPr>
+                        <a:t>4</a:t>
+                      </a:r>
+                      <a:endParaRPr lang="pt-BR" sz="1400">
+                        <a:effectLst/>
+                        <a:latin typeface="Calibri" panose="020F0502020204030204" pitchFamily="34" charset="0"/>
+                        <a:ea typeface="Calibri" panose="020F0502020204030204" pitchFamily="34" charset="0"/>
+                        <a:cs typeface="Times New Roman" panose="02020603050405020304" pitchFamily="18" charset="0"/>
+                      </a:endParaRPr>
+                    </a:p>
+                  </a:txBody>
+                  <a:tcPr marL="35231" marR="35231" marT="0" marB="0" anchor="ctr"/>
+                </a:tc>
+                <a:tc>
+                  <a:txBody>
+                    <a:bodyPr/>
+                    <a:lstStyle/>
+                    <a:p>
+                      <a:pPr algn="ctr">
+                        <a:lnSpc>
+                          <a:spcPct val="107000"/>
+                        </a:lnSpc>
+                        <a:spcAft>
+                          <a:spcPts val="0"/>
+                        </a:spcAft>
+                      </a:pPr>
+                      <a:r>
+                        <a:rPr lang="pt-BR" sz="1400" dirty="0" smtClean="0">
+                          <a:effectLst/>
+                        </a:rPr>
+                        <a:t>15</a:t>
+                      </a:r>
+                    </a:p>
+                  </a:txBody>
+                  <a:tcPr marL="35231" marR="35231" marT="0" marB="0" anchor="ctr"/>
+                </a:tc>
+                <a:extLst>
+                  <a:ext uri="{0D108BD9-81ED-4DB2-BD59-A6C34878D82A}">
+                    <a16:rowId xmlns:a16="http://schemas.microsoft.com/office/drawing/2014/main" val="1722243618"/>
+                  </a:ext>
+                </a:extLst>
+              </a:tr>
+            </a:tbl>
+          </a:graphicData>
+        </a:graphic>
+      </p:graphicFrame>
     </p:spTree>
     <p:extLst>
       <p:ext uri="{BB962C8B-B14F-4D97-AF65-F5344CB8AC3E}">
